--- a/week12/ДЖАН-202425-Workers.pptx
+++ b/week12/ДЖАН-202425-Workers.pptx
@@ -14,9 +14,10 @@
     <p:sldId id="262" r:id="rId11"/>
     <p:sldId id="267" r:id="rId12"/>
     <p:sldId id="259" r:id="rId13"/>
-    <p:sldId id="260" r:id="rId14"/>
-    <p:sldId id="261" r:id="rId15"/>
-    <p:sldId id="258" r:id="rId16"/>
+    <p:sldId id="268" r:id="rId14"/>
+    <p:sldId id="260" r:id="rId15"/>
+    <p:sldId id="261" r:id="rId16"/>
+    <p:sldId id="258" r:id="rId17"/>
   </p:sldIdLst>
   <p:sldSz cx="12192000" cy="6858000"/>
   <p:notesSz cx="6858000" cy="9144000"/>
@@ -121,14 +122,6 @@
     </p:ext>
   </p:extLst>
 </p:presentation>
-</file>
-
-<file path=ppt/revisionInfo.xml><?xml version="1.0" encoding="utf-8"?>
-<p1510:revInfo xmlns:a="http://schemas.openxmlformats.org/drawingml/2006/main" xmlns:r="http://schemas.openxmlformats.org/officeDocument/2006/relationships" xmlns:p1510="http://schemas.microsoft.com/office/powerpoint/2015/10/main">
-  <p1510:revLst>
-    <p1510:client id="{6F12829C-B0B7-403D-9332-45F0C6DDCE09}" v="2138" dt="2025-01-06T16:33:43.440"/>
-  </p1510:revLst>
-</p1510:revInfo>
 </file>
 
 <file path=ppt/diagrams/colors1.xml><?xml version="1.0" encoding="utf-8"?>
@@ -18559,6 +18552,2884 @@
     </p:bg>
     <p:spTree>
       <p:nvGrpSpPr>
+        <p:cNvPr id="1" name=""/>
+        <p:cNvGrpSpPr/>
+        <p:nvPr/>
+      </p:nvGrpSpPr>
+      <p:grpSpPr>
+        <a:xfrm>
+          <a:off x="0" y="0"/>
+          <a:ext cx="0" cy="0"/>
+          <a:chOff x="0" y="0"/>
+          <a:chExt cx="0" cy="0"/>
+        </a:xfrm>
+      </p:grpSpPr>
+      <p:sp useBgFill="1">
+        <p:nvSpPr>
+          <p:cNvPr id="10" name="Rectangle 9">
+            <a:extLst>
+              <a:ext uri="{FF2B5EF4-FFF2-40B4-BE49-F238E27FC236}">
+                <a16:creationId xmlns:a16="http://schemas.microsoft.com/office/drawing/2014/main" id="{8BBC959F-CAB6-4E23-81DE-E0BBF2B7E073}"/>
+              </a:ext>
+              <a:ext uri="{C183D7F6-B498-43B3-948B-1728B52AA6E4}">
+                <adec:decorative xmlns:adec="http://schemas.microsoft.com/office/drawing/2017/decorative" val="1"/>
+              </a:ext>
+            </a:extLst>
+          </p:cNvPr>
+          <p:cNvSpPr>
+            <a:spLocks noGrp="1" noRot="1" noChangeAspect="1" noMove="1" noResize="1" noEditPoints="1" noAdjustHandles="1" noChangeArrowheads="1" noChangeShapeType="1" noTextEdit="1"/>
+          </p:cNvSpPr>
+          <p:nvPr>
+            <p:extLst>
+              <p:ext uri="{386F3935-93C4-4BCD-93E2-E3B085C9AB24}">
+                <p16:designElem xmlns:p16="http://schemas.microsoft.com/office/powerpoint/2015/main" val="1"/>
+              </p:ext>
+            </p:extLst>
+          </p:nvPr>
+        </p:nvSpPr>
+        <p:spPr>
+          <a:xfrm>
+            <a:off x="0" y="0"/>
+            <a:ext cx="12192000" cy="6858000"/>
+          </a:xfrm>
+          <a:prstGeom prst="rect">
+            <a:avLst/>
+          </a:prstGeom>
+          <a:ln w="12700" cap="flat" cmpd="sng" algn="ctr">
+            <a:noFill/>
+            <a:prstDash val="solid"/>
+            <a:miter lim="800000"/>
+          </a:ln>
+          <a:effectLst/>
+          <a:extLst>
+            <a:ext uri="{91240B29-F687-4F45-9708-019B960494DF}">
+              <a14:hiddenLine xmlns:a14="http://schemas.microsoft.com/office/drawing/2010/main" w="12700" cap="flat" cmpd="sng" algn="ctr">
+                <a:solidFill>
+                  <a:schemeClr val="accent1">
+                    <a:shade val="50000"/>
+                  </a:schemeClr>
+                </a:solidFill>
+                <a:prstDash val="solid"/>
+                <a:miter lim="800000"/>
+              </a14:hiddenLine>
+            </a:ext>
+          </a:extLst>
+        </p:spPr>
+        <p:style>
+          <a:lnRef idx="2">
+            <a:schemeClr val="accent1">
+              <a:shade val="50000"/>
+            </a:schemeClr>
+          </a:lnRef>
+          <a:fillRef idx="1">
+            <a:schemeClr val="accent1"/>
+          </a:fillRef>
+          <a:effectRef idx="0">
+            <a:schemeClr val="accent1"/>
+          </a:effectRef>
+          <a:fontRef idx="minor">
+            <a:schemeClr val="lt1"/>
+          </a:fontRef>
+        </p:style>
+        <p:txBody>
+          <a:bodyPr rtlCol="0" anchor="ctr"/>
+          <a:lstStyle/>
+          <a:p>
+            <a:pPr algn="ctr"/>
+            <a:endParaRPr lang="en-US"/>
+          </a:p>
+        </p:txBody>
+      </p:sp>
+      <p:sp>
+        <p:nvSpPr>
+          <p:cNvPr id="12" name="Rectangle 11">
+            <a:extLst>
+              <a:ext uri="{FF2B5EF4-FFF2-40B4-BE49-F238E27FC236}">
+                <a16:creationId xmlns:a16="http://schemas.microsoft.com/office/drawing/2014/main" id="{7A94DEED-5E0F-4E41-A445-58C14864C34A}"/>
+              </a:ext>
+              <a:ext uri="{C183D7F6-B498-43B3-948B-1728B52AA6E4}">
+                <adec:decorative xmlns:adec="http://schemas.microsoft.com/office/drawing/2017/decorative" val="1"/>
+              </a:ext>
+            </a:extLst>
+          </p:cNvPr>
+          <p:cNvSpPr>
+            <a:spLocks noGrp="1" noRot="1" noChangeAspect="1" noMove="1" noResize="1" noEditPoints="1" noAdjustHandles="1" noChangeArrowheads="1" noChangeShapeType="1" noTextEdit="1"/>
+          </p:cNvSpPr>
+          <p:nvPr>
+            <p:extLst>
+              <p:ext uri="{386F3935-93C4-4BCD-93E2-E3B085C9AB24}">
+                <p16:designElem xmlns:p16="http://schemas.microsoft.com/office/powerpoint/2015/main" val="1"/>
+              </p:ext>
+            </p:extLst>
+          </p:nvPr>
+        </p:nvSpPr>
+        <p:spPr>
+          <a:xfrm>
+            <a:off x="1" y="0"/>
+            <a:ext cx="4076700" cy="6858000"/>
+          </a:xfrm>
+          <a:prstGeom prst="rect">
+            <a:avLst/>
+          </a:prstGeom>
+          <a:solidFill>
+            <a:schemeClr val="tx2">
+              <a:lumMod val="75000"/>
+              <a:lumOff val="25000"/>
+            </a:schemeClr>
+          </a:solidFill>
+          <a:ln>
+            <a:noFill/>
+          </a:ln>
+        </p:spPr>
+        <p:style>
+          <a:lnRef idx="2">
+            <a:schemeClr val="accent1">
+              <a:shade val="50000"/>
+            </a:schemeClr>
+          </a:lnRef>
+          <a:fillRef idx="1">
+            <a:schemeClr val="accent1"/>
+          </a:fillRef>
+          <a:effectRef idx="0">
+            <a:schemeClr val="accent1"/>
+          </a:effectRef>
+          <a:fontRef idx="minor">
+            <a:schemeClr val="lt1"/>
+          </a:fontRef>
+        </p:style>
+        <p:txBody>
+          <a:bodyPr rtlCol="0" anchor="ctr"/>
+          <a:lstStyle/>
+          <a:p>
+            <a:pPr algn="ctr"/>
+            <a:endParaRPr lang="en-US"/>
+          </a:p>
+        </p:txBody>
+      </p:sp>
+      <p:sp>
+        <p:nvSpPr>
+          <p:cNvPr id="2" name="Title 1">
+            <a:extLst>
+              <a:ext uri="{FF2B5EF4-FFF2-40B4-BE49-F238E27FC236}">
+                <a16:creationId xmlns:a16="http://schemas.microsoft.com/office/drawing/2014/main" id="{39BAEACF-A737-4DA6-C9CC-3A3B2897948D}"/>
+              </a:ext>
+            </a:extLst>
+          </p:cNvPr>
+          <p:cNvSpPr>
+            <a:spLocks noGrp="1"/>
+          </p:cNvSpPr>
+          <p:nvPr>
+            <p:ph type="title"/>
+          </p:nvPr>
+        </p:nvSpPr>
+        <p:spPr>
+          <a:xfrm>
+            <a:off x="685800" y="1371600"/>
+            <a:ext cx="2742028" cy="4114800"/>
+          </a:xfrm>
+        </p:spPr>
+        <p:txBody>
+          <a:bodyPr vert="horz" lIns="91440" tIns="45720" rIns="91440" bIns="45720" rtlCol="0" anchor="ctr">
+            <a:normAutofit/>
+          </a:bodyPr>
+          <a:lstStyle/>
+          <a:p>
+            <a:pPr algn="ctr"/>
+            <a:r>
+              <a:rPr lang="bg-BG" dirty="0">
+                <a:solidFill>
+                  <a:schemeClr val="bg2"/>
+                </a:solidFill>
+              </a:rPr>
+              <a:t>Пример за</a:t>
+            </a:r>
+            <a:br>
+              <a:rPr lang="bg-BG" dirty="0">
+                <a:solidFill>
+                  <a:schemeClr val="bg2"/>
+                </a:solidFill>
+              </a:rPr>
+            </a:br>
+            <a:r>
+              <a:rPr lang="bg-BG" dirty="0">
+                <a:solidFill>
+                  <a:schemeClr val="bg2"/>
+                </a:solidFill>
+              </a:rPr>
+              <a:t> </a:t>
+            </a:r>
+            <a:r>
+              <a:rPr lang="en-US" dirty="0">
+                <a:solidFill>
+                  <a:schemeClr val="bg2"/>
+                </a:solidFill>
+              </a:rPr>
+              <a:t>service worker</a:t>
+            </a:r>
+            <a:br>
+              <a:rPr lang="en-US" dirty="0">
+                <a:solidFill>
+                  <a:schemeClr val="bg2"/>
+                </a:solidFill>
+              </a:rPr>
+            </a:br>
+            <a:br>
+              <a:rPr lang="en-US" dirty="0">
+                <a:solidFill>
+                  <a:schemeClr val="bg2"/>
+                </a:solidFill>
+              </a:rPr>
+            </a:br>
+            <a:r>
+              <a:rPr lang="bg-BG">
+                <a:solidFill>
+                  <a:schemeClr val="bg2"/>
+                </a:solidFill>
+              </a:rPr>
+              <a:t>при </a:t>
+            </a:r>
+            <a:endParaRPr lang="en-US" dirty="0">
+              <a:solidFill>
+                <a:schemeClr val="bg2"/>
+              </a:solidFill>
+            </a:endParaRPr>
+          </a:p>
+        </p:txBody>
+      </p:sp>
+      <p:sp>
+        <p:nvSpPr>
+          <p:cNvPr id="14" name="Rectangle 13">
+            <a:extLst>
+              <a:ext uri="{FF2B5EF4-FFF2-40B4-BE49-F238E27FC236}">
+                <a16:creationId xmlns:a16="http://schemas.microsoft.com/office/drawing/2014/main" id="{5E1FEFA6-7D4F-4746-AE64-D4D52FE76DC2}"/>
+              </a:ext>
+              <a:ext uri="{C183D7F6-B498-43B3-948B-1728B52AA6E4}">
+                <adec:decorative xmlns:adec="http://schemas.microsoft.com/office/drawing/2017/decorative" val="1"/>
+              </a:ext>
+            </a:extLst>
+          </p:cNvPr>
+          <p:cNvSpPr>
+            <a:spLocks noGrp="1" noRot="1" noChangeAspect="1" noMove="1" noResize="1" noEditPoints="1" noAdjustHandles="1" noChangeArrowheads="1" noChangeShapeType="1" noTextEdit="1"/>
+          </p:cNvSpPr>
+          <p:nvPr>
+            <p:extLst>
+              <p:ext uri="{386F3935-93C4-4BCD-93E2-E3B085C9AB24}">
+                <p16:designElem xmlns:p16="http://schemas.microsoft.com/office/powerpoint/2015/main" val="1"/>
+              </p:ext>
+            </p:extLst>
+          </p:nvPr>
+        </p:nvSpPr>
+        <p:spPr>
+          <a:xfrm>
+            <a:off x="4762500" y="685800"/>
+            <a:ext cx="6743700" cy="5486400"/>
+          </a:xfrm>
+          <a:prstGeom prst="rect">
+            <a:avLst/>
+          </a:prstGeom>
+          <a:solidFill>
+            <a:schemeClr val="tx2">
+              <a:lumMod val="75000"/>
+              <a:lumOff val="25000"/>
+              <a:alpha val="25000"/>
+            </a:schemeClr>
+          </a:solidFill>
+          <a:ln>
+            <a:noFill/>
+          </a:ln>
+        </p:spPr>
+        <p:style>
+          <a:lnRef idx="2">
+            <a:schemeClr val="accent1">
+              <a:shade val="50000"/>
+            </a:schemeClr>
+          </a:lnRef>
+          <a:fillRef idx="1">
+            <a:schemeClr val="accent1"/>
+          </a:fillRef>
+          <a:effectRef idx="0">
+            <a:schemeClr val="accent1"/>
+          </a:effectRef>
+          <a:fontRef idx="minor">
+            <a:schemeClr val="lt1"/>
+          </a:fontRef>
+        </p:style>
+        <p:txBody>
+          <a:bodyPr rtlCol="0" anchor="ctr"/>
+          <a:lstStyle/>
+          <a:p>
+            <a:pPr algn="ctr"/>
+            <a:endParaRPr lang="en-US"/>
+          </a:p>
+        </p:txBody>
+      </p:sp>
+      <p:sp>
+        <p:nvSpPr>
+          <p:cNvPr id="7" name="TextBox 6">
+            <a:extLst>
+              <a:ext uri="{FF2B5EF4-FFF2-40B4-BE49-F238E27FC236}">
+                <a16:creationId xmlns:a16="http://schemas.microsoft.com/office/drawing/2014/main" id="{52C7C03F-6C1E-295B-CF09-6043C16FDEA4}"/>
+              </a:ext>
+            </a:extLst>
+          </p:cNvPr>
+          <p:cNvSpPr txBox="1"/>
+          <p:nvPr/>
+        </p:nvSpPr>
+        <p:spPr>
+          <a:xfrm>
+            <a:off x="4719258" y="708239"/>
+            <a:ext cx="6792085" cy="5486310"/>
+          </a:xfrm>
+          <a:prstGeom prst="rect">
+            <a:avLst/>
+          </a:prstGeom>
+          <a:solidFill>
+            <a:schemeClr val="tx2">
+              <a:lumMod val="75000"/>
+              <a:lumOff val="25000"/>
+            </a:schemeClr>
+          </a:solidFill>
+        </p:spPr>
+        <p:txBody>
+          <a:bodyPr wrap="square">
+            <a:spAutoFit/>
+          </a:bodyPr>
+          <a:lstStyle/>
+          <a:p>
+            <a:pPr>
+              <a:lnSpc>
+                <a:spcPts val="1425"/>
+              </a:lnSpc>
+            </a:pPr>
+            <a:r>
+              <a:rPr lang="en-US" sz="1400" b="0" i="1" dirty="0">
+                <a:solidFill>
+                  <a:srgbClr val="546E7A"/>
+                </a:solidFill>
+                <a:effectLst/>
+                <a:latin typeface="Consolas" panose="020B0609020204030204" pitchFamily="49" charset="0"/>
+              </a:rPr>
+              <a:t>// service-worker.js</a:t>
+            </a:r>
+            <a:endParaRPr lang="en-US" sz="1400" b="0" dirty="0">
+              <a:solidFill>
+                <a:srgbClr val="EEFFFF"/>
+              </a:solidFill>
+              <a:effectLst/>
+              <a:latin typeface="Consolas" panose="020B0609020204030204" pitchFamily="49" charset="0"/>
+            </a:endParaRPr>
+          </a:p>
+          <a:p>
+            <a:pPr>
+              <a:lnSpc>
+                <a:spcPts val="1425"/>
+              </a:lnSpc>
+            </a:pPr>
+            <a:r>
+              <a:rPr lang="en-US" sz="1400" b="0" dirty="0">
+                <a:solidFill>
+                  <a:srgbClr val="C792EA"/>
+                </a:solidFill>
+                <a:effectLst/>
+                <a:latin typeface="Consolas" panose="020B0609020204030204" pitchFamily="49" charset="0"/>
+              </a:rPr>
+              <a:t>const</a:t>
+            </a:r>
+            <a:r>
+              <a:rPr lang="en-US" sz="1400" b="0" dirty="0">
+                <a:solidFill>
+                  <a:srgbClr val="EEFFFF"/>
+                </a:solidFill>
+                <a:effectLst/>
+                <a:latin typeface="Consolas" panose="020B0609020204030204" pitchFamily="49" charset="0"/>
+              </a:rPr>
+              <a:t> CACHE_NAME </a:t>
+            </a:r>
+            <a:r>
+              <a:rPr lang="en-US" sz="1400" b="0" dirty="0">
+                <a:solidFill>
+                  <a:srgbClr val="89DDFF"/>
+                </a:solidFill>
+                <a:effectLst/>
+                <a:latin typeface="Consolas" panose="020B0609020204030204" pitchFamily="49" charset="0"/>
+              </a:rPr>
+              <a:t>=</a:t>
+            </a:r>
+            <a:r>
+              <a:rPr lang="en-US" sz="1400" b="0" dirty="0">
+                <a:solidFill>
+                  <a:srgbClr val="EEFFFF"/>
+                </a:solidFill>
+                <a:effectLst/>
+                <a:latin typeface="Consolas" panose="020B0609020204030204" pitchFamily="49" charset="0"/>
+              </a:rPr>
+              <a:t> </a:t>
+            </a:r>
+            <a:r>
+              <a:rPr lang="en-US" sz="1400" b="0" dirty="0">
+                <a:solidFill>
+                  <a:srgbClr val="89DDFF"/>
+                </a:solidFill>
+                <a:effectLst/>
+                <a:latin typeface="Consolas" panose="020B0609020204030204" pitchFamily="49" charset="0"/>
+              </a:rPr>
+              <a:t>'</a:t>
+            </a:r>
+            <a:r>
+              <a:rPr lang="en-US" sz="1400" b="0" dirty="0">
+                <a:solidFill>
+                  <a:srgbClr val="C3E88D"/>
+                </a:solidFill>
+                <a:effectLst/>
+                <a:latin typeface="Consolas" panose="020B0609020204030204" pitchFamily="49" charset="0"/>
+              </a:rPr>
+              <a:t>v1-cache</a:t>
+            </a:r>
+            <a:r>
+              <a:rPr lang="en-US" sz="1400" b="0" dirty="0">
+                <a:solidFill>
+                  <a:srgbClr val="89DDFF"/>
+                </a:solidFill>
+                <a:effectLst/>
+                <a:latin typeface="Consolas" panose="020B0609020204030204" pitchFamily="49" charset="0"/>
+              </a:rPr>
+              <a:t>';</a:t>
+            </a:r>
+            <a:endParaRPr lang="en-US" sz="1400" b="0" dirty="0">
+              <a:solidFill>
+                <a:srgbClr val="EEFFFF"/>
+              </a:solidFill>
+              <a:effectLst/>
+              <a:latin typeface="Consolas" panose="020B0609020204030204" pitchFamily="49" charset="0"/>
+            </a:endParaRPr>
+          </a:p>
+          <a:p>
+            <a:pPr>
+              <a:lnSpc>
+                <a:spcPts val="1425"/>
+              </a:lnSpc>
+            </a:pPr>
+            <a:r>
+              <a:rPr lang="en-US" sz="1400" b="0" dirty="0">
+                <a:solidFill>
+                  <a:srgbClr val="C792EA"/>
+                </a:solidFill>
+                <a:effectLst/>
+                <a:latin typeface="Consolas" panose="020B0609020204030204" pitchFamily="49" charset="0"/>
+              </a:rPr>
+              <a:t>const</a:t>
+            </a:r>
+            <a:r>
+              <a:rPr lang="en-US" sz="1400" b="0" dirty="0">
+                <a:solidFill>
+                  <a:srgbClr val="EEFFFF"/>
+                </a:solidFill>
+                <a:effectLst/>
+                <a:latin typeface="Consolas" panose="020B0609020204030204" pitchFamily="49" charset="0"/>
+              </a:rPr>
+              <a:t> ASSETS </a:t>
+            </a:r>
+            <a:r>
+              <a:rPr lang="en-US" sz="1400" b="0" dirty="0">
+                <a:solidFill>
+                  <a:srgbClr val="89DDFF"/>
+                </a:solidFill>
+                <a:effectLst/>
+                <a:latin typeface="Consolas" panose="020B0609020204030204" pitchFamily="49" charset="0"/>
+              </a:rPr>
+              <a:t>=</a:t>
+            </a:r>
+            <a:r>
+              <a:rPr lang="en-US" sz="1400" b="0" dirty="0">
+                <a:solidFill>
+                  <a:srgbClr val="EEFFFF"/>
+                </a:solidFill>
+                <a:effectLst/>
+                <a:latin typeface="Consolas" panose="020B0609020204030204" pitchFamily="49" charset="0"/>
+              </a:rPr>
+              <a:t> [</a:t>
+            </a:r>
+            <a:r>
+              <a:rPr lang="en-US" sz="1400" b="0" dirty="0">
+                <a:solidFill>
+                  <a:srgbClr val="89DDFF"/>
+                </a:solidFill>
+                <a:effectLst/>
+                <a:latin typeface="Consolas" panose="020B0609020204030204" pitchFamily="49" charset="0"/>
+              </a:rPr>
+              <a:t>'</a:t>
+            </a:r>
+            <a:r>
+              <a:rPr lang="en-US" sz="1400" b="0" dirty="0">
+                <a:solidFill>
+                  <a:srgbClr val="C3E88D"/>
+                </a:solidFill>
+                <a:effectLst/>
+                <a:latin typeface="Consolas" panose="020B0609020204030204" pitchFamily="49" charset="0"/>
+              </a:rPr>
+              <a:t>/</a:t>
+            </a:r>
+            <a:r>
+              <a:rPr lang="en-US" sz="1400" b="0" dirty="0">
+                <a:solidFill>
+                  <a:srgbClr val="89DDFF"/>
+                </a:solidFill>
+                <a:effectLst/>
+                <a:latin typeface="Consolas" panose="020B0609020204030204" pitchFamily="49" charset="0"/>
+              </a:rPr>
+              <a:t>',</a:t>
+            </a:r>
+            <a:r>
+              <a:rPr lang="en-US" sz="1400" b="0" dirty="0">
+                <a:solidFill>
+                  <a:srgbClr val="EEFFFF"/>
+                </a:solidFill>
+                <a:effectLst/>
+                <a:latin typeface="Consolas" panose="020B0609020204030204" pitchFamily="49" charset="0"/>
+              </a:rPr>
+              <a:t> </a:t>
+            </a:r>
+            <a:r>
+              <a:rPr lang="en-US" sz="1400" b="0" dirty="0">
+                <a:solidFill>
+                  <a:srgbClr val="89DDFF"/>
+                </a:solidFill>
+                <a:effectLst/>
+                <a:latin typeface="Consolas" panose="020B0609020204030204" pitchFamily="49" charset="0"/>
+              </a:rPr>
+              <a:t>'</a:t>
+            </a:r>
+            <a:r>
+              <a:rPr lang="en-US" sz="1400" b="0" dirty="0">
+                <a:solidFill>
+                  <a:srgbClr val="C3E88D"/>
+                </a:solidFill>
+                <a:effectLst/>
+                <a:latin typeface="Consolas" panose="020B0609020204030204" pitchFamily="49" charset="0"/>
+              </a:rPr>
+              <a:t>/index.html</a:t>
+            </a:r>
+            <a:r>
+              <a:rPr lang="en-US" sz="1400" b="0" dirty="0">
+                <a:solidFill>
+                  <a:srgbClr val="89DDFF"/>
+                </a:solidFill>
+                <a:effectLst/>
+                <a:latin typeface="Consolas" panose="020B0609020204030204" pitchFamily="49" charset="0"/>
+              </a:rPr>
+              <a:t>',</a:t>
+            </a:r>
+            <a:r>
+              <a:rPr lang="en-US" sz="1400" b="0" dirty="0">
+                <a:solidFill>
+                  <a:srgbClr val="EEFFFF"/>
+                </a:solidFill>
+                <a:effectLst/>
+                <a:latin typeface="Consolas" panose="020B0609020204030204" pitchFamily="49" charset="0"/>
+              </a:rPr>
+              <a:t> </a:t>
+            </a:r>
+            <a:r>
+              <a:rPr lang="en-US" sz="1400" b="0" dirty="0">
+                <a:solidFill>
+                  <a:srgbClr val="89DDFF"/>
+                </a:solidFill>
+                <a:effectLst/>
+                <a:latin typeface="Consolas" panose="020B0609020204030204" pitchFamily="49" charset="0"/>
+              </a:rPr>
+              <a:t>'</a:t>
+            </a:r>
+            <a:r>
+              <a:rPr lang="en-US" sz="1400" b="0" dirty="0">
+                <a:solidFill>
+                  <a:srgbClr val="C3E88D"/>
+                </a:solidFill>
+                <a:effectLst/>
+                <a:latin typeface="Consolas" panose="020B0609020204030204" pitchFamily="49" charset="0"/>
+              </a:rPr>
+              <a:t>/styles.css</a:t>
+            </a:r>
+            <a:r>
+              <a:rPr lang="en-US" sz="1400" b="0" dirty="0">
+                <a:solidFill>
+                  <a:srgbClr val="89DDFF"/>
+                </a:solidFill>
+                <a:effectLst/>
+                <a:latin typeface="Consolas" panose="020B0609020204030204" pitchFamily="49" charset="0"/>
+              </a:rPr>
+              <a:t>',</a:t>
+            </a:r>
+            <a:r>
+              <a:rPr lang="en-US" sz="1400" b="0" dirty="0">
+                <a:solidFill>
+                  <a:srgbClr val="EEFFFF"/>
+                </a:solidFill>
+                <a:effectLst/>
+                <a:latin typeface="Consolas" panose="020B0609020204030204" pitchFamily="49" charset="0"/>
+              </a:rPr>
+              <a:t> </a:t>
+            </a:r>
+            <a:r>
+              <a:rPr lang="en-US" sz="1400" b="0" dirty="0">
+                <a:solidFill>
+                  <a:srgbClr val="89DDFF"/>
+                </a:solidFill>
+                <a:effectLst/>
+                <a:latin typeface="Consolas" panose="020B0609020204030204" pitchFamily="49" charset="0"/>
+              </a:rPr>
+              <a:t>'</a:t>
+            </a:r>
+            <a:r>
+              <a:rPr lang="en-US" sz="1400" b="0" dirty="0">
+                <a:solidFill>
+                  <a:srgbClr val="C3E88D"/>
+                </a:solidFill>
+                <a:effectLst/>
+                <a:latin typeface="Consolas" panose="020B0609020204030204" pitchFamily="49" charset="0"/>
+              </a:rPr>
+              <a:t>/app.js</a:t>
+            </a:r>
+            <a:r>
+              <a:rPr lang="en-US" sz="1400" b="0" dirty="0">
+                <a:solidFill>
+                  <a:srgbClr val="89DDFF"/>
+                </a:solidFill>
+                <a:effectLst/>
+                <a:latin typeface="Consolas" panose="020B0609020204030204" pitchFamily="49" charset="0"/>
+              </a:rPr>
+              <a:t>'</a:t>
+            </a:r>
+            <a:r>
+              <a:rPr lang="en-US" sz="1400" b="0" dirty="0">
+                <a:solidFill>
+                  <a:srgbClr val="EEFFFF"/>
+                </a:solidFill>
+                <a:effectLst/>
+                <a:latin typeface="Consolas" panose="020B0609020204030204" pitchFamily="49" charset="0"/>
+              </a:rPr>
+              <a:t>]</a:t>
+            </a:r>
+            <a:r>
+              <a:rPr lang="en-US" sz="1400" b="0" dirty="0">
+                <a:solidFill>
+                  <a:srgbClr val="89DDFF"/>
+                </a:solidFill>
+                <a:effectLst/>
+                <a:latin typeface="Consolas" panose="020B0609020204030204" pitchFamily="49" charset="0"/>
+              </a:rPr>
+              <a:t>;</a:t>
+            </a:r>
+            <a:endParaRPr lang="en-US" sz="1400" b="0" dirty="0">
+              <a:solidFill>
+                <a:srgbClr val="EEFFFF"/>
+              </a:solidFill>
+              <a:effectLst/>
+              <a:latin typeface="Consolas" panose="020B0609020204030204" pitchFamily="49" charset="0"/>
+            </a:endParaRPr>
+          </a:p>
+          <a:p>
+            <a:pPr>
+              <a:lnSpc>
+                <a:spcPts val="1425"/>
+              </a:lnSpc>
+            </a:pPr>
+            <a:br>
+              <a:rPr lang="en-US" sz="1600" b="0" dirty="0">
+                <a:solidFill>
+                  <a:srgbClr val="EEFFFF"/>
+                </a:solidFill>
+                <a:effectLst/>
+                <a:latin typeface="Consolas" panose="020B0609020204030204" pitchFamily="49" charset="0"/>
+              </a:rPr>
+            </a:br>
+            <a:r>
+              <a:rPr lang="en-US" sz="1600" b="0" i="1" dirty="0">
+                <a:solidFill>
+                  <a:srgbClr val="546E7A"/>
+                </a:solidFill>
+                <a:effectLst/>
+                <a:highlight>
+                  <a:srgbClr val="000000"/>
+                </a:highlight>
+                <a:latin typeface="Consolas" panose="020B0609020204030204" pitchFamily="49" charset="0"/>
+              </a:rPr>
+              <a:t>// </a:t>
+            </a:r>
+            <a:r>
+              <a:rPr lang="bg-BG" sz="1600" b="0" i="1" dirty="0">
+                <a:solidFill>
+                  <a:srgbClr val="FFFF00"/>
+                </a:solidFill>
+                <a:effectLst/>
+                <a:highlight>
+                  <a:srgbClr val="000000"/>
+                </a:highlight>
+                <a:latin typeface="Consolas" panose="020B0609020204030204" pitchFamily="49" charset="0"/>
+              </a:rPr>
+              <a:t>…при пускане на </a:t>
+            </a:r>
+            <a:r>
+              <a:rPr lang="en-US" sz="1600" b="0" i="1" dirty="0" err="1">
+                <a:solidFill>
+                  <a:srgbClr val="FFFF00"/>
+                </a:solidFill>
+                <a:effectLst/>
+                <a:highlight>
+                  <a:srgbClr val="000000"/>
+                </a:highlight>
+                <a:latin typeface="Consolas" panose="020B0609020204030204" pitchFamily="49" charset="0"/>
+              </a:rPr>
+              <a:t>ServiceWorker</a:t>
+            </a:r>
+            <a:endParaRPr lang="en-US" sz="1600" b="0" dirty="0">
+              <a:solidFill>
+                <a:srgbClr val="FFFF00"/>
+              </a:solidFill>
+              <a:effectLst/>
+              <a:highlight>
+                <a:srgbClr val="000000"/>
+              </a:highlight>
+              <a:latin typeface="Consolas" panose="020B0609020204030204" pitchFamily="49" charset="0"/>
+            </a:endParaRPr>
+          </a:p>
+          <a:p>
+            <a:pPr>
+              <a:lnSpc>
+                <a:spcPts val="1425"/>
+              </a:lnSpc>
+            </a:pPr>
+            <a:r>
+              <a:rPr lang="en-US" sz="1600" b="0" dirty="0" err="1">
+                <a:solidFill>
+                  <a:srgbClr val="EEFFFF"/>
+                </a:solidFill>
+                <a:effectLst/>
+                <a:latin typeface="Consolas" panose="020B0609020204030204" pitchFamily="49" charset="0"/>
+              </a:rPr>
+              <a:t>self</a:t>
+            </a:r>
+            <a:r>
+              <a:rPr lang="en-US" sz="1600" b="0" dirty="0" err="1">
+                <a:solidFill>
+                  <a:srgbClr val="89DDFF"/>
+                </a:solidFill>
+                <a:effectLst/>
+                <a:latin typeface="Consolas" panose="020B0609020204030204" pitchFamily="49" charset="0"/>
+              </a:rPr>
+              <a:t>.</a:t>
+            </a:r>
+            <a:r>
+              <a:rPr lang="en-US" sz="1600" b="0" dirty="0" err="1">
+                <a:solidFill>
+                  <a:srgbClr val="82AAFF"/>
+                </a:solidFill>
+                <a:effectLst/>
+                <a:latin typeface="Consolas" panose="020B0609020204030204" pitchFamily="49" charset="0"/>
+              </a:rPr>
+              <a:t>addEventListener</a:t>
+            </a:r>
+            <a:r>
+              <a:rPr lang="en-US" sz="1600" b="0" dirty="0">
+                <a:solidFill>
+                  <a:srgbClr val="EEFFFF"/>
+                </a:solidFill>
+                <a:effectLst/>
+                <a:latin typeface="Consolas" panose="020B0609020204030204" pitchFamily="49" charset="0"/>
+              </a:rPr>
+              <a:t>(</a:t>
+            </a:r>
+            <a:r>
+              <a:rPr lang="en-US" sz="1600" b="0" dirty="0">
+                <a:solidFill>
+                  <a:srgbClr val="89DDFF"/>
+                </a:solidFill>
+                <a:effectLst/>
+                <a:latin typeface="Consolas" panose="020B0609020204030204" pitchFamily="49" charset="0"/>
+              </a:rPr>
+              <a:t>'</a:t>
+            </a:r>
+            <a:r>
+              <a:rPr lang="en-US" sz="1600" b="0" dirty="0">
+                <a:solidFill>
+                  <a:srgbClr val="C3E88D"/>
+                </a:solidFill>
+                <a:effectLst/>
+                <a:latin typeface="Consolas" panose="020B0609020204030204" pitchFamily="49" charset="0"/>
+              </a:rPr>
+              <a:t>install</a:t>
+            </a:r>
+            <a:r>
+              <a:rPr lang="en-US" sz="1600" b="0" dirty="0">
+                <a:solidFill>
+                  <a:srgbClr val="89DDFF"/>
+                </a:solidFill>
+                <a:effectLst/>
+                <a:latin typeface="Consolas" panose="020B0609020204030204" pitchFamily="49" charset="0"/>
+              </a:rPr>
+              <a:t>',</a:t>
+            </a:r>
+            <a:r>
+              <a:rPr lang="en-US" sz="1600" b="0" dirty="0">
+                <a:solidFill>
+                  <a:srgbClr val="EEFFFF"/>
+                </a:solidFill>
+                <a:effectLst/>
+                <a:latin typeface="Consolas" panose="020B0609020204030204" pitchFamily="49" charset="0"/>
+              </a:rPr>
+              <a:t> </a:t>
+            </a:r>
+            <a:r>
+              <a:rPr lang="en-US" sz="1600" b="0" dirty="0">
+                <a:solidFill>
+                  <a:srgbClr val="C792EA"/>
+                </a:solidFill>
+                <a:effectLst/>
+                <a:latin typeface="Consolas" panose="020B0609020204030204" pitchFamily="49" charset="0"/>
+              </a:rPr>
+              <a:t>async</a:t>
+            </a:r>
+            <a:r>
+              <a:rPr lang="en-US" sz="1600" b="0" dirty="0">
+                <a:solidFill>
+                  <a:srgbClr val="EEFFFF"/>
+                </a:solidFill>
+                <a:effectLst/>
+                <a:latin typeface="Consolas" panose="020B0609020204030204" pitchFamily="49" charset="0"/>
+              </a:rPr>
+              <a:t> </a:t>
+            </a:r>
+            <a:r>
+              <a:rPr lang="en-US" sz="1600" b="0" dirty="0">
+                <a:solidFill>
+                  <a:srgbClr val="89DDFF"/>
+                </a:solidFill>
+                <a:effectLst/>
+                <a:latin typeface="Consolas" panose="020B0609020204030204" pitchFamily="49" charset="0"/>
+              </a:rPr>
+              <a:t>(</a:t>
+            </a:r>
+            <a:r>
+              <a:rPr lang="en-US" sz="1600" b="0" i="1" dirty="0">
+                <a:solidFill>
+                  <a:srgbClr val="EEFFFF"/>
+                </a:solidFill>
+                <a:effectLst/>
+                <a:latin typeface="Consolas" panose="020B0609020204030204" pitchFamily="49" charset="0"/>
+              </a:rPr>
+              <a:t>event</a:t>
+            </a:r>
+            <a:r>
+              <a:rPr lang="en-US" sz="1600" b="0" dirty="0">
+                <a:solidFill>
+                  <a:srgbClr val="89DDFF"/>
+                </a:solidFill>
+                <a:effectLst/>
+                <a:latin typeface="Consolas" panose="020B0609020204030204" pitchFamily="49" charset="0"/>
+              </a:rPr>
+              <a:t>)</a:t>
+            </a:r>
+            <a:r>
+              <a:rPr lang="en-US" sz="1600" b="0" dirty="0">
+                <a:solidFill>
+                  <a:srgbClr val="EEFFFF"/>
+                </a:solidFill>
+                <a:effectLst/>
+                <a:latin typeface="Consolas" panose="020B0609020204030204" pitchFamily="49" charset="0"/>
+              </a:rPr>
+              <a:t> </a:t>
+            </a:r>
+            <a:r>
+              <a:rPr lang="en-US" sz="1600" b="0" dirty="0">
+                <a:solidFill>
+                  <a:srgbClr val="C792EA"/>
+                </a:solidFill>
+                <a:effectLst/>
+                <a:latin typeface="Consolas" panose="020B0609020204030204" pitchFamily="49" charset="0"/>
+              </a:rPr>
+              <a:t>=&gt;</a:t>
+            </a:r>
+            <a:r>
+              <a:rPr lang="en-US" sz="1600" b="0" dirty="0">
+                <a:solidFill>
+                  <a:srgbClr val="EEFFFF"/>
+                </a:solidFill>
+                <a:effectLst/>
+                <a:latin typeface="Consolas" panose="020B0609020204030204" pitchFamily="49" charset="0"/>
+              </a:rPr>
+              <a:t> </a:t>
+            </a:r>
+            <a:r>
+              <a:rPr lang="en-US" sz="1600" b="0" dirty="0">
+                <a:solidFill>
+                  <a:srgbClr val="89DDFF"/>
+                </a:solidFill>
+                <a:effectLst/>
+                <a:latin typeface="Consolas" panose="020B0609020204030204" pitchFamily="49" charset="0"/>
+              </a:rPr>
+              <a:t>{</a:t>
+            </a:r>
+            <a:endParaRPr lang="en-US" sz="1600" b="0" dirty="0">
+              <a:solidFill>
+                <a:srgbClr val="EEFFFF"/>
+              </a:solidFill>
+              <a:effectLst/>
+              <a:latin typeface="Consolas" panose="020B0609020204030204" pitchFamily="49" charset="0"/>
+            </a:endParaRPr>
+          </a:p>
+          <a:p>
+            <a:pPr>
+              <a:lnSpc>
+                <a:spcPts val="1425"/>
+              </a:lnSpc>
+            </a:pPr>
+            <a:r>
+              <a:rPr lang="en-US" sz="1600" b="0" dirty="0">
+                <a:solidFill>
+                  <a:srgbClr val="F07178"/>
+                </a:solidFill>
+                <a:effectLst/>
+                <a:latin typeface="Consolas" panose="020B0609020204030204" pitchFamily="49" charset="0"/>
+              </a:rPr>
+              <a:t>    </a:t>
+            </a:r>
+            <a:r>
+              <a:rPr lang="en-US" sz="1600" b="0" i="1" dirty="0" err="1">
+                <a:solidFill>
+                  <a:srgbClr val="EEFFFF"/>
+                </a:solidFill>
+                <a:effectLst/>
+                <a:latin typeface="Consolas" panose="020B0609020204030204" pitchFamily="49" charset="0"/>
+              </a:rPr>
+              <a:t>event</a:t>
+            </a:r>
+            <a:r>
+              <a:rPr lang="en-US" sz="1600" b="0" dirty="0" err="1">
+                <a:solidFill>
+                  <a:srgbClr val="89DDFF"/>
+                </a:solidFill>
+                <a:effectLst/>
+                <a:latin typeface="Consolas" panose="020B0609020204030204" pitchFamily="49" charset="0"/>
+              </a:rPr>
+              <a:t>.</a:t>
+            </a:r>
+            <a:r>
+              <a:rPr lang="en-US" sz="1600" b="0" dirty="0" err="1">
+                <a:solidFill>
+                  <a:srgbClr val="82AAFF"/>
+                </a:solidFill>
+                <a:effectLst/>
+                <a:latin typeface="Consolas" panose="020B0609020204030204" pitchFamily="49" charset="0"/>
+              </a:rPr>
+              <a:t>waitUntil</a:t>
+            </a:r>
+            <a:r>
+              <a:rPr lang="en-US" sz="1600" b="0" dirty="0">
+                <a:solidFill>
+                  <a:srgbClr val="F07178"/>
+                </a:solidFill>
+                <a:effectLst/>
+                <a:latin typeface="Consolas" panose="020B0609020204030204" pitchFamily="49" charset="0"/>
+              </a:rPr>
+              <a:t>(</a:t>
+            </a:r>
+            <a:endParaRPr lang="en-US" sz="1600" b="0" dirty="0">
+              <a:solidFill>
+                <a:srgbClr val="EEFFFF"/>
+              </a:solidFill>
+              <a:effectLst/>
+              <a:latin typeface="Consolas" panose="020B0609020204030204" pitchFamily="49" charset="0"/>
+            </a:endParaRPr>
+          </a:p>
+          <a:p>
+            <a:pPr>
+              <a:lnSpc>
+                <a:spcPts val="1425"/>
+              </a:lnSpc>
+            </a:pPr>
+            <a:r>
+              <a:rPr lang="en-US" sz="1600" b="0" dirty="0">
+                <a:solidFill>
+                  <a:srgbClr val="F07178"/>
+                </a:solidFill>
+                <a:effectLst/>
+                <a:latin typeface="Consolas" panose="020B0609020204030204" pitchFamily="49" charset="0"/>
+              </a:rPr>
+              <a:t>        </a:t>
+            </a:r>
+            <a:r>
+              <a:rPr lang="en-US" sz="1600" b="1" dirty="0" err="1">
+                <a:solidFill>
+                  <a:schemeClr val="bg1"/>
+                </a:solidFill>
+                <a:effectLst/>
+                <a:latin typeface="Consolas" panose="020B0609020204030204" pitchFamily="49" charset="0"/>
+                <a:hlinkClick r:id="rId2">
+                  <a:extLst>
+                    <a:ext uri="{A12FA001-AC4F-418D-AE19-62706E023703}">
+                      <ahyp:hlinkClr xmlns:ahyp="http://schemas.microsoft.com/office/drawing/2018/hyperlinkcolor" val="tx"/>
+                    </a:ext>
+                  </a:extLst>
+                </a:hlinkClick>
+              </a:rPr>
+              <a:t>caches</a:t>
+            </a:r>
+            <a:r>
+              <a:rPr lang="en-US" sz="1600" b="0" dirty="0" err="1">
+                <a:solidFill>
+                  <a:srgbClr val="89DDFF"/>
+                </a:solidFill>
+                <a:effectLst/>
+                <a:latin typeface="Consolas" panose="020B0609020204030204" pitchFamily="49" charset="0"/>
+              </a:rPr>
+              <a:t>.</a:t>
+            </a:r>
+            <a:r>
+              <a:rPr lang="en-US" sz="1600" b="0" dirty="0" err="1">
+                <a:solidFill>
+                  <a:srgbClr val="82AAFF"/>
+                </a:solidFill>
+                <a:effectLst/>
+                <a:latin typeface="Consolas" panose="020B0609020204030204" pitchFamily="49" charset="0"/>
+              </a:rPr>
+              <a:t>open</a:t>
+            </a:r>
+            <a:r>
+              <a:rPr lang="en-US" sz="1600" b="0" dirty="0">
+                <a:solidFill>
+                  <a:srgbClr val="F07178"/>
+                </a:solidFill>
+                <a:effectLst/>
+                <a:latin typeface="Consolas" panose="020B0609020204030204" pitchFamily="49" charset="0"/>
+              </a:rPr>
+              <a:t>(</a:t>
+            </a:r>
+            <a:r>
+              <a:rPr lang="en-US" sz="1600" b="0" dirty="0">
+                <a:solidFill>
+                  <a:srgbClr val="EEFFFF"/>
+                </a:solidFill>
+                <a:effectLst/>
+                <a:latin typeface="Consolas" panose="020B0609020204030204" pitchFamily="49" charset="0"/>
+              </a:rPr>
+              <a:t>CACHE_NAME</a:t>
+            </a:r>
+            <a:r>
+              <a:rPr lang="en-US" sz="1600" b="0" dirty="0">
+                <a:solidFill>
+                  <a:srgbClr val="F07178"/>
+                </a:solidFill>
+                <a:effectLst/>
+                <a:latin typeface="Consolas" panose="020B0609020204030204" pitchFamily="49" charset="0"/>
+              </a:rPr>
+              <a:t>) </a:t>
+            </a:r>
+            <a:r>
+              <a:rPr lang="en-US" sz="1600" b="0" i="1" dirty="0">
+                <a:solidFill>
+                  <a:srgbClr val="546E7A"/>
+                </a:solidFill>
+                <a:effectLst/>
+                <a:latin typeface="Consolas" panose="020B0609020204030204" pitchFamily="49" charset="0"/>
+              </a:rPr>
+              <a:t>// </a:t>
+            </a:r>
+            <a:r>
+              <a:rPr lang="bg-BG" sz="1600" b="0" i="1" dirty="0">
+                <a:solidFill>
+                  <a:srgbClr val="546E7A"/>
+                </a:solidFill>
+                <a:effectLst/>
+                <a:latin typeface="Consolas" panose="020B0609020204030204" pitchFamily="49" charset="0"/>
+              </a:rPr>
+              <a:t>всичко е </a:t>
+            </a:r>
+            <a:r>
+              <a:rPr lang="en-US" sz="1600" b="0" i="1" dirty="0">
+                <a:solidFill>
+                  <a:srgbClr val="546E7A"/>
+                </a:solidFill>
+                <a:effectLst/>
+                <a:latin typeface="Consolas" panose="020B0609020204030204" pitchFamily="49" charset="0"/>
+              </a:rPr>
+              <a:t>async</a:t>
+            </a:r>
+            <a:endParaRPr lang="en-US" sz="1600" b="0" dirty="0">
+              <a:solidFill>
+                <a:srgbClr val="EEFFFF"/>
+              </a:solidFill>
+              <a:effectLst/>
+              <a:latin typeface="Consolas" panose="020B0609020204030204" pitchFamily="49" charset="0"/>
+            </a:endParaRPr>
+          </a:p>
+          <a:p>
+            <a:pPr>
+              <a:lnSpc>
+                <a:spcPts val="1425"/>
+              </a:lnSpc>
+            </a:pPr>
+            <a:r>
+              <a:rPr lang="en-US" sz="1600" b="0" dirty="0">
+                <a:solidFill>
+                  <a:srgbClr val="F07178"/>
+                </a:solidFill>
+                <a:effectLst/>
+                <a:latin typeface="Consolas" panose="020B0609020204030204" pitchFamily="49" charset="0"/>
+              </a:rPr>
+              <a:t>            </a:t>
+            </a:r>
+            <a:r>
+              <a:rPr lang="en-US" sz="1600" b="0" dirty="0">
+                <a:solidFill>
+                  <a:srgbClr val="89DDFF"/>
+                </a:solidFill>
+                <a:effectLst/>
+                <a:latin typeface="Consolas" panose="020B0609020204030204" pitchFamily="49" charset="0"/>
+              </a:rPr>
+              <a:t>.</a:t>
+            </a:r>
+            <a:r>
+              <a:rPr lang="en-US" sz="1600" b="0" dirty="0">
+                <a:solidFill>
+                  <a:srgbClr val="82AAFF"/>
+                </a:solidFill>
+                <a:effectLst/>
+                <a:latin typeface="Consolas" panose="020B0609020204030204" pitchFamily="49" charset="0"/>
+              </a:rPr>
+              <a:t>then</a:t>
+            </a:r>
+            <a:r>
+              <a:rPr lang="en-US" sz="1600" b="0" dirty="0">
+                <a:solidFill>
+                  <a:srgbClr val="F07178"/>
+                </a:solidFill>
+                <a:effectLst/>
+                <a:latin typeface="Consolas" panose="020B0609020204030204" pitchFamily="49" charset="0"/>
+              </a:rPr>
+              <a:t>(</a:t>
+            </a:r>
+            <a:r>
+              <a:rPr lang="en-US" sz="1600" b="0" i="1" dirty="0">
+                <a:solidFill>
+                  <a:srgbClr val="EEFFFF"/>
+                </a:solidFill>
+                <a:effectLst/>
+                <a:latin typeface="Consolas" panose="020B0609020204030204" pitchFamily="49" charset="0"/>
+              </a:rPr>
+              <a:t>cache</a:t>
+            </a:r>
+            <a:r>
+              <a:rPr lang="en-US" sz="1600" b="0" dirty="0">
+                <a:solidFill>
+                  <a:srgbClr val="F07178"/>
+                </a:solidFill>
+                <a:effectLst/>
+                <a:latin typeface="Consolas" panose="020B0609020204030204" pitchFamily="49" charset="0"/>
+              </a:rPr>
+              <a:t> </a:t>
+            </a:r>
+            <a:r>
+              <a:rPr lang="en-US" sz="1600" b="0" dirty="0">
+                <a:solidFill>
+                  <a:srgbClr val="C792EA"/>
+                </a:solidFill>
+                <a:effectLst/>
+                <a:latin typeface="Consolas" panose="020B0609020204030204" pitchFamily="49" charset="0"/>
+              </a:rPr>
+              <a:t>=&gt;</a:t>
+            </a:r>
+            <a:r>
+              <a:rPr lang="en-US" sz="1600" b="0" dirty="0">
+                <a:solidFill>
+                  <a:srgbClr val="F07178"/>
+                </a:solidFill>
+                <a:effectLst/>
+                <a:latin typeface="Consolas" panose="020B0609020204030204" pitchFamily="49" charset="0"/>
+              </a:rPr>
+              <a:t> </a:t>
+            </a:r>
+            <a:r>
+              <a:rPr lang="en-US" sz="1600" b="0" i="1" dirty="0" err="1">
+                <a:solidFill>
+                  <a:srgbClr val="EEFFFF"/>
+                </a:solidFill>
+                <a:effectLst/>
+                <a:latin typeface="Consolas" panose="020B0609020204030204" pitchFamily="49" charset="0"/>
+              </a:rPr>
+              <a:t>cache</a:t>
+            </a:r>
+            <a:r>
+              <a:rPr lang="en-US" sz="1600" b="0" dirty="0" err="1">
+                <a:solidFill>
+                  <a:srgbClr val="89DDFF"/>
+                </a:solidFill>
+                <a:effectLst/>
+                <a:latin typeface="Consolas" panose="020B0609020204030204" pitchFamily="49" charset="0"/>
+              </a:rPr>
+              <a:t>.</a:t>
+            </a:r>
+            <a:r>
+              <a:rPr lang="en-US" sz="1600" b="0" dirty="0" err="1">
+                <a:solidFill>
+                  <a:srgbClr val="82AAFF"/>
+                </a:solidFill>
+                <a:effectLst/>
+                <a:latin typeface="Consolas" panose="020B0609020204030204" pitchFamily="49" charset="0"/>
+              </a:rPr>
+              <a:t>addAll</a:t>
+            </a:r>
+            <a:r>
+              <a:rPr lang="en-US" sz="1600" b="0" dirty="0">
+                <a:solidFill>
+                  <a:srgbClr val="F07178"/>
+                </a:solidFill>
+                <a:effectLst/>
+                <a:latin typeface="Consolas" panose="020B0609020204030204" pitchFamily="49" charset="0"/>
+              </a:rPr>
+              <a:t>(</a:t>
+            </a:r>
+            <a:r>
+              <a:rPr lang="en-US" sz="1600" b="0" dirty="0">
+                <a:solidFill>
+                  <a:srgbClr val="EEFFFF"/>
+                </a:solidFill>
+                <a:effectLst/>
+                <a:latin typeface="Consolas" panose="020B0609020204030204" pitchFamily="49" charset="0"/>
+              </a:rPr>
+              <a:t>ASSETS</a:t>
+            </a:r>
+            <a:r>
+              <a:rPr lang="en-US" sz="1600" b="0" dirty="0">
+                <a:solidFill>
+                  <a:srgbClr val="F07178"/>
+                </a:solidFill>
+                <a:effectLst/>
+                <a:latin typeface="Consolas" panose="020B0609020204030204" pitchFamily="49" charset="0"/>
+              </a:rPr>
+              <a:t>))</a:t>
+            </a:r>
+            <a:endParaRPr lang="en-US" sz="1600" b="0" dirty="0">
+              <a:solidFill>
+                <a:srgbClr val="EEFFFF"/>
+              </a:solidFill>
+              <a:effectLst/>
+              <a:latin typeface="Consolas" panose="020B0609020204030204" pitchFamily="49" charset="0"/>
+            </a:endParaRPr>
+          </a:p>
+          <a:p>
+            <a:pPr>
+              <a:lnSpc>
+                <a:spcPts val="1425"/>
+              </a:lnSpc>
+            </a:pPr>
+            <a:r>
+              <a:rPr lang="en-US" sz="1600" b="0" dirty="0">
+                <a:solidFill>
+                  <a:srgbClr val="F07178"/>
+                </a:solidFill>
+                <a:effectLst/>
+                <a:latin typeface="Consolas" panose="020B0609020204030204" pitchFamily="49" charset="0"/>
+              </a:rPr>
+              <a:t>    )</a:t>
+            </a:r>
+            <a:r>
+              <a:rPr lang="en-US" sz="1600" b="0" dirty="0">
+                <a:solidFill>
+                  <a:srgbClr val="89DDFF"/>
+                </a:solidFill>
+                <a:effectLst/>
+                <a:latin typeface="Consolas" panose="020B0609020204030204" pitchFamily="49" charset="0"/>
+              </a:rPr>
+              <a:t>;</a:t>
+            </a:r>
+            <a:endParaRPr lang="en-US" sz="1600" b="0" dirty="0">
+              <a:solidFill>
+                <a:srgbClr val="EEFFFF"/>
+              </a:solidFill>
+              <a:effectLst/>
+              <a:latin typeface="Consolas" panose="020B0609020204030204" pitchFamily="49" charset="0"/>
+            </a:endParaRPr>
+          </a:p>
+          <a:p>
+            <a:pPr>
+              <a:lnSpc>
+                <a:spcPts val="1425"/>
+              </a:lnSpc>
+            </a:pPr>
+            <a:r>
+              <a:rPr lang="en-US" sz="1600" b="0" dirty="0">
+                <a:solidFill>
+                  <a:srgbClr val="89DDFF"/>
+                </a:solidFill>
+                <a:effectLst/>
+                <a:latin typeface="Consolas" panose="020B0609020204030204" pitchFamily="49" charset="0"/>
+              </a:rPr>
+              <a:t>}</a:t>
+            </a:r>
+            <a:r>
+              <a:rPr lang="en-US" sz="1600" b="0" dirty="0">
+                <a:solidFill>
+                  <a:srgbClr val="EEFFFF"/>
+                </a:solidFill>
+                <a:effectLst/>
+                <a:latin typeface="Consolas" panose="020B0609020204030204" pitchFamily="49" charset="0"/>
+              </a:rPr>
+              <a:t>)</a:t>
+            </a:r>
+            <a:r>
+              <a:rPr lang="en-US" sz="1600" b="0" dirty="0">
+                <a:solidFill>
+                  <a:srgbClr val="89DDFF"/>
+                </a:solidFill>
+                <a:effectLst/>
+                <a:latin typeface="Consolas" panose="020B0609020204030204" pitchFamily="49" charset="0"/>
+              </a:rPr>
+              <a:t>;</a:t>
+            </a:r>
+            <a:endParaRPr lang="en-US" sz="1600" b="0" dirty="0">
+              <a:solidFill>
+                <a:srgbClr val="EEFFFF"/>
+              </a:solidFill>
+              <a:effectLst/>
+              <a:latin typeface="Consolas" panose="020B0609020204030204" pitchFamily="49" charset="0"/>
+            </a:endParaRPr>
+          </a:p>
+          <a:p>
+            <a:pPr>
+              <a:lnSpc>
+                <a:spcPts val="1425"/>
+              </a:lnSpc>
+            </a:pPr>
+            <a:br>
+              <a:rPr lang="en-US" sz="1600" b="0" dirty="0">
+                <a:solidFill>
+                  <a:srgbClr val="EEFFFF"/>
+                </a:solidFill>
+                <a:effectLst/>
+                <a:latin typeface="Consolas" panose="020B0609020204030204" pitchFamily="49" charset="0"/>
+              </a:rPr>
+            </a:br>
+            <a:r>
+              <a:rPr lang="en-US" sz="1600" b="0" i="1" dirty="0">
+                <a:solidFill>
+                  <a:srgbClr val="546E7A"/>
+                </a:solidFill>
+                <a:effectLst/>
+                <a:latin typeface="Consolas" panose="020B0609020204030204" pitchFamily="49" charset="0"/>
+              </a:rPr>
+              <a:t>// </a:t>
+            </a:r>
+            <a:r>
+              <a:rPr lang="bg-BG" sz="1600" b="0" i="1" dirty="0">
+                <a:solidFill>
+                  <a:srgbClr val="546E7A"/>
+                </a:solidFill>
+                <a:effectLst/>
+                <a:latin typeface="Consolas" panose="020B0609020204030204" pitchFamily="49" charset="0"/>
+              </a:rPr>
+              <a:t>при зареждаме чистим временните данни</a:t>
+            </a:r>
+            <a:endParaRPr lang="en-US" sz="1600" b="0" dirty="0">
+              <a:solidFill>
+                <a:srgbClr val="EEFFFF"/>
+              </a:solidFill>
+              <a:effectLst/>
+              <a:latin typeface="Consolas" panose="020B0609020204030204" pitchFamily="49" charset="0"/>
+            </a:endParaRPr>
+          </a:p>
+          <a:p>
+            <a:pPr>
+              <a:lnSpc>
+                <a:spcPts val="1425"/>
+              </a:lnSpc>
+            </a:pPr>
+            <a:r>
+              <a:rPr lang="en-US" sz="1600" b="0" dirty="0" err="1">
+                <a:solidFill>
+                  <a:srgbClr val="EEFFFF"/>
+                </a:solidFill>
+                <a:effectLst/>
+                <a:latin typeface="Consolas" panose="020B0609020204030204" pitchFamily="49" charset="0"/>
+              </a:rPr>
+              <a:t>self</a:t>
+            </a:r>
+            <a:r>
+              <a:rPr lang="en-US" sz="1600" b="0" dirty="0" err="1">
+                <a:solidFill>
+                  <a:srgbClr val="89DDFF"/>
+                </a:solidFill>
+                <a:effectLst/>
+                <a:latin typeface="Consolas" panose="020B0609020204030204" pitchFamily="49" charset="0"/>
+              </a:rPr>
+              <a:t>.</a:t>
+            </a:r>
+            <a:r>
+              <a:rPr lang="en-US" sz="1600" b="0" dirty="0" err="1">
+                <a:solidFill>
+                  <a:srgbClr val="82AAFF"/>
+                </a:solidFill>
+                <a:effectLst/>
+                <a:latin typeface="Consolas" panose="020B0609020204030204" pitchFamily="49" charset="0"/>
+              </a:rPr>
+              <a:t>addEventListener</a:t>
+            </a:r>
+            <a:r>
+              <a:rPr lang="en-US" sz="1600" b="0" dirty="0">
+                <a:solidFill>
+                  <a:srgbClr val="EEFFFF"/>
+                </a:solidFill>
+                <a:effectLst/>
+                <a:latin typeface="Consolas" panose="020B0609020204030204" pitchFamily="49" charset="0"/>
+              </a:rPr>
+              <a:t>(</a:t>
+            </a:r>
+            <a:r>
+              <a:rPr lang="en-US" sz="1600" b="0" dirty="0">
+                <a:solidFill>
+                  <a:srgbClr val="89DDFF"/>
+                </a:solidFill>
+                <a:effectLst/>
+                <a:latin typeface="Consolas" panose="020B0609020204030204" pitchFamily="49" charset="0"/>
+              </a:rPr>
+              <a:t>'</a:t>
+            </a:r>
+            <a:r>
+              <a:rPr lang="en-US" sz="1600" b="0" dirty="0">
+                <a:solidFill>
+                  <a:srgbClr val="C3E88D"/>
+                </a:solidFill>
+                <a:effectLst/>
+                <a:latin typeface="Consolas" panose="020B0609020204030204" pitchFamily="49" charset="0"/>
+              </a:rPr>
+              <a:t>activate</a:t>
+            </a:r>
+            <a:r>
+              <a:rPr lang="en-US" sz="1600" b="0" dirty="0">
+                <a:solidFill>
+                  <a:srgbClr val="89DDFF"/>
+                </a:solidFill>
+                <a:effectLst/>
+                <a:latin typeface="Consolas" panose="020B0609020204030204" pitchFamily="49" charset="0"/>
+              </a:rPr>
+              <a:t>',</a:t>
+            </a:r>
+            <a:r>
+              <a:rPr lang="en-US" sz="1600" b="0" dirty="0">
+                <a:solidFill>
+                  <a:srgbClr val="EEFFFF"/>
+                </a:solidFill>
+                <a:effectLst/>
+                <a:latin typeface="Consolas" panose="020B0609020204030204" pitchFamily="49" charset="0"/>
+              </a:rPr>
+              <a:t> </a:t>
+            </a:r>
+            <a:r>
+              <a:rPr lang="en-US" sz="1600" b="0" i="1" dirty="0">
+                <a:solidFill>
+                  <a:srgbClr val="EEFFFF"/>
+                </a:solidFill>
+                <a:effectLst/>
+                <a:latin typeface="Consolas" panose="020B0609020204030204" pitchFamily="49" charset="0"/>
+              </a:rPr>
+              <a:t>event</a:t>
+            </a:r>
+            <a:r>
+              <a:rPr lang="en-US" sz="1600" b="0" dirty="0">
+                <a:solidFill>
+                  <a:srgbClr val="EEFFFF"/>
+                </a:solidFill>
+                <a:effectLst/>
+                <a:latin typeface="Consolas" panose="020B0609020204030204" pitchFamily="49" charset="0"/>
+              </a:rPr>
+              <a:t> </a:t>
+            </a:r>
+            <a:r>
+              <a:rPr lang="en-US" sz="1600" b="0" dirty="0">
+                <a:solidFill>
+                  <a:srgbClr val="C792EA"/>
+                </a:solidFill>
+                <a:effectLst/>
+                <a:latin typeface="Consolas" panose="020B0609020204030204" pitchFamily="49" charset="0"/>
+              </a:rPr>
+              <a:t>=&gt;</a:t>
+            </a:r>
+            <a:r>
+              <a:rPr lang="en-US" sz="1600" b="0" dirty="0">
+                <a:solidFill>
+                  <a:srgbClr val="EEFFFF"/>
+                </a:solidFill>
+                <a:effectLst/>
+                <a:latin typeface="Consolas" panose="020B0609020204030204" pitchFamily="49" charset="0"/>
+              </a:rPr>
+              <a:t> </a:t>
+            </a:r>
+            <a:r>
+              <a:rPr lang="en-US" sz="1600" b="0" dirty="0">
+                <a:solidFill>
+                  <a:srgbClr val="89DDFF"/>
+                </a:solidFill>
+                <a:effectLst/>
+                <a:latin typeface="Consolas" panose="020B0609020204030204" pitchFamily="49" charset="0"/>
+              </a:rPr>
+              <a:t>{</a:t>
+            </a:r>
+            <a:endParaRPr lang="en-US" sz="1600" b="0" dirty="0">
+              <a:solidFill>
+                <a:srgbClr val="EEFFFF"/>
+              </a:solidFill>
+              <a:effectLst/>
+              <a:latin typeface="Consolas" panose="020B0609020204030204" pitchFamily="49" charset="0"/>
+            </a:endParaRPr>
+          </a:p>
+          <a:p>
+            <a:pPr>
+              <a:lnSpc>
+                <a:spcPts val="1425"/>
+              </a:lnSpc>
+            </a:pPr>
+            <a:r>
+              <a:rPr lang="en-US" sz="1600" b="0" dirty="0">
+                <a:solidFill>
+                  <a:srgbClr val="F07178"/>
+                </a:solidFill>
+                <a:effectLst/>
+                <a:latin typeface="Consolas" panose="020B0609020204030204" pitchFamily="49" charset="0"/>
+              </a:rPr>
+              <a:t>    </a:t>
+            </a:r>
+            <a:r>
+              <a:rPr lang="en-US" sz="1600" b="0" i="1" dirty="0" err="1">
+                <a:solidFill>
+                  <a:srgbClr val="EEFFFF"/>
+                </a:solidFill>
+                <a:effectLst/>
+                <a:latin typeface="Consolas" panose="020B0609020204030204" pitchFamily="49" charset="0"/>
+              </a:rPr>
+              <a:t>event</a:t>
+            </a:r>
+            <a:r>
+              <a:rPr lang="en-US" sz="1600" b="0" dirty="0" err="1">
+                <a:solidFill>
+                  <a:srgbClr val="89DDFF"/>
+                </a:solidFill>
+                <a:effectLst/>
+                <a:latin typeface="Consolas" panose="020B0609020204030204" pitchFamily="49" charset="0"/>
+              </a:rPr>
+              <a:t>.</a:t>
+            </a:r>
+            <a:r>
+              <a:rPr lang="en-US" sz="1600" b="0" dirty="0" err="1">
+                <a:solidFill>
+                  <a:srgbClr val="82AAFF"/>
+                </a:solidFill>
+                <a:effectLst/>
+                <a:latin typeface="Consolas" panose="020B0609020204030204" pitchFamily="49" charset="0"/>
+              </a:rPr>
+              <a:t>waitUntil</a:t>
+            </a:r>
+            <a:r>
+              <a:rPr lang="en-US" sz="1600" b="0" dirty="0">
+                <a:solidFill>
+                  <a:srgbClr val="F07178"/>
+                </a:solidFill>
+                <a:effectLst/>
+                <a:latin typeface="Consolas" panose="020B0609020204030204" pitchFamily="49" charset="0"/>
+              </a:rPr>
+              <a:t>(</a:t>
+            </a:r>
+            <a:endParaRPr lang="en-US" sz="1600" b="0" dirty="0">
+              <a:solidFill>
+                <a:srgbClr val="EEFFFF"/>
+              </a:solidFill>
+              <a:effectLst/>
+              <a:latin typeface="Consolas" panose="020B0609020204030204" pitchFamily="49" charset="0"/>
+            </a:endParaRPr>
+          </a:p>
+          <a:p>
+            <a:pPr>
+              <a:lnSpc>
+                <a:spcPts val="1425"/>
+              </a:lnSpc>
+            </a:pPr>
+            <a:r>
+              <a:rPr lang="en-US" sz="1600" b="0" dirty="0">
+                <a:solidFill>
+                  <a:srgbClr val="F07178"/>
+                </a:solidFill>
+                <a:effectLst/>
+                <a:latin typeface="Consolas" panose="020B0609020204030204" pitchFamily="49" charset="0"/>
+              </a:rPr>
+              <a:t>        </a:t>
+            </a:r>
+            <a:r>
+              <a:rPr lang="en-US" sz="1600" b="1" dirty="0" err="1">
+                <a:solidFill>
+                  <a:schemeClr val="bg1"/>
+                </a:solidFill>
+                <a:effectLst/>
+                <a:latin typeface="Consolas" panose="020B0609020204030204" pitchFamily="49" charset="0"/>
+                <a:hlinkClick r:id="rId2">
+                  <a:extLst>
+                    <a:ext uri="{A12FA001-AC4F-418D-AE19-62706E023703}">
+                      <ahyp:hlinkClr xmlns:ahyp="http://schemas.microsoft.com/office/drawing/2018/hyperlinkcolor" val="tx"/>
+                    </a:ext>
+                  </a:extLst>
+                </a:hlinkClick>
+              </a:rPr>
+              <a:t>caches</a:t>
+            </a:r>
+            <a:r>
+              <a:rPr lang="en-US" sz="1600" b="0" dirty="0" err="1">
+                <a:solidFill>
+                  <a:srgbClr val="89DDFF"/>
+                </a:solidFill>
+                <a:effectLst/>
+                <a:latin typeface="Consolas" panose="020B0609020204030204" pitchFamily="49" charset="0"/>
+              </a:rPr>
+              <a:t>.</a:t>
+            </a:r>
+            <a:r>
+              <a:rPr lang="en-US" sz="1600" b="0" dirty="0" err="1">
+                <a:solidFill>
+                  <a:srgbClr val="82AAFF"/>
+                </a:solidFill>
+                <a:effectLst/>
+                <a:latin typeface="Consolas" panose="020B0609020204030204" pitchFamily="49" charset="0"/>
+              </a:rPr>
+              <a:t>keys</a:t>
+            </a:r>
+            <a:r>
+              <a:rPr lang="en-US" sz="1600" b="0" dirty="0">
+                <a:solidFill>
+                  <a:srgbClr val="F07178"/>
+                </a:solidFill>
+                <a:effectLst/>
+                <a:latin typeface="Consolas" panose="020B0609020204030204" pitchFamily="49" charset="0"/>
+              </a:rPr>
+              <a:t>()   </a:t>
+            </a:r>
+            <a:r>
+              <a:rPr lang="en-US" sz="1600" b="0" i="1" dirty="0">
+                <a:solidFill>
+                  <a:srgbClr val="FFFF00"/>
+                </a:solidFill>
+                <a:effectLst/>
+                <a:highlight>
+                  <a:srgbClr val="000000"/>
+                </a:highlight>
+                <a:latin typeface="Consolas" panose="020B0609020204030204" pitchFamily="49" charset="0"/>
+              </a:rPr>
+              <a:t>// </a:t>
+            </a:r>
+            <a:r>
+              <a:rPr lang="bg-BG" sz="1600" b="0" i="1" dirty="0">
+                <a:solidFill>
+                  <a:srgbClr val="FFFF00"/>
+                </a:solidFill>
+                <a:effectLst/>
+                <a:highlight>
+                  <a:srgbClr val="000000"/>
+                </a:highlight>
+                <a:latin typeface="Consolas" panose="020B0609020204030204" pitchFamily="49" charset="0"/>
+              </a:rPr>
+              <a:t>достъп през </a:t>
+            </a:r>
+            <a:r>
+              <a:rPr lang="en-US" sz="1600" b="0" i="1" dirty="0">
+                <a:solidFill>
+                  <a:srgbClr val="FFFF00"/>
+                </a:solidFill>
+                <a:effectLst/>
+                <a:highlight>
+                  <a:srgbClr val="000000"/>
+                </a:highlight>
+                <a:latin typeface="Consolas" panose="020B0609020204030204" pitchFamily="49" charset="0"/>
+              </a:rPr>
+              <a:t>Promise!</a:t>
+            </a:r>
+            <a:endParaRPr lang="en-US" sz="1600" b="0" dirty="0">
+              <a:solidFill>
+                <a:srgbClr val="FFFF00"/>
+              </a:solidFill>
+              <a:effectLst/>
+              <a:highlight>
+                <a:srgbClr val="000000"/>
+              </a:highlight>
+              <a:latin typeface="Consolas" panose="020B0609020204030204" pitchFamily="49" charset="0"/>
+            </a:endParaRPr>
+          </a:p>
+          <a:p>
+            <a:pPr>
+              <a:lnSpc>
+                <a:spcPts val="1425"/>
+              </a:lnSpc>
+            </a:pPr>
+            <a:r>
+              <a:rPr lang="en-US" sz="1600" b="0" dirty="0">
+                <a:solidFill>
+                  <a:srgbClr val="F07178"/>
+                </a:solidFill>
+                <a:effectLst/>
+                <a:latin typeface="Consolas" panose="020B0609020204030204" pitchFamily="49" charset="0"/>
+              </a:rPr>
+              <a:t>            </a:t>
+            </a:r>
+            <a:r>
+              <a:rPr lang="en-US" sz="1600" b="0" dirty="0">
+                <a:solidFill>
+                  <a:srgbClr val="89DDFF"/>
+                </a:solidFill>
+                <a:effectLst/>
+                <a:latin typeface="Consolas" panose="020B0609020204030204" pitchFamily="49" charset="0"/>
+              </a:rPr>
+              <a:t>.</a:t>
+            </a:r>
+            <a:r>
+              <a:rPr lang="en-US" sz="1600" b="0" dirty="0">
+                <a:solidFill>
+                  <a:srgbClr val="82AAFF"/>
+                </a:solidFill>
+                <a:effectLst/>
+                <a:latin typeface="Consolas" panose="020B0609020204030204" pitchFamily="49" charset="0"/>
+              </a:rPr>
+              <a:t>then</a:t>
+            </a:r>
+            <a:r>
+              <a:rPr lang="en-US" sz="1600" b="0" dirty="0">
+                <a:solidFill>
+                  <a:srgbClr val="F07178"/>
+                </a:solidFill>
+                <a:effectLst/>
+                <a:latin typeface="Consolas" panose="020B0609020204030204" pitchFamily="49" charset="0"/>
+              </a:rPr>
+              <a:t>(</a:t>
+            </a:r>
+            <a:r>
+              <a:rPr lang="en-US" sz="1600" b="0" i="1" dirty="0">
+                <a:solidFill>
+                  <a:srgbClr val="EEFFFF"/>
+                </a:solidFill>
+                <a:effectLst/>
+                <a:latin typeface="Consolas" panose="020B0609020204030204" pitchFamily="49" charset="0"/>
+              </a:rPr>
+              <a:t>keys</a:t>
+            </a:r>
+            <a:r>
+              <a:rPr lang="en-US" sz="1600" b="0" dirty="0">
+                <a:solidFill>
+                  <a:srgbClr val="F07178"/>
+                </a:solidFill>
+                <a:effectLst/>
+                <a:latin typeface="Consolas" panose="020B0609020204030204" pitchFamily="49" charset="0"/>
+              </a:rPr>
+              <a:t> </a:t>
+            </a:r>
+            <a:r>
+              <a:rPr lang="en-US" sz="1600" b="0" dirty="0">
+                <a:solidFill>
+                  <a:srgbClr val="C792EA"/>
+                </a:solidFill>
+                <a:effectLst/>
+                <a:latin typeface="Consolas" panose="020B0609020204030204" pitchFamily="49" charset="0"/>
+              </a:rPr>
+              <a:t>=&gt;</a:t>
+            </a:r>
+            <a:r>
+              <a:rPr lang="en-US" sz="1600" b="0" dirty="0">
+                <a:solidFill>
+                  <a:srgbClr val="F07178"/>
+                </a:solidFill>
+                <a:effectLst/>
+                <a:latin typeface="Consolas" panose="020B0609020204030204" pitchFamily="49" charset="0"/>
+              </a:rPr>
+              <a:t> </a:t>
+            </a:r>
+            <a:r>
+              <a:rPr lang="en-US" sz="1600" b="0" dirty="0" err="1">
+                <a:solidFill>
+                  <a:srgbClr val="FFCB6B"/>
+                </a:solidFill>
+                <a:effectLst/>
+                <a:latin typeface="Consolas" panose="020B0609020204030204" pitchFamily="49" charset="0"/>
+              </a:rPr>
+              <a:t>Promise</a:t>
+            </a:r>
+            <a:r>
+              <a:rPr lang="en-US" sz="1600" b="0" dirty="0" err="1">
+                <a:solidFill>
+                  <a:srgbClr val="89DDFF"/>
+                </a:solidFill>
+                <a:effectLst/>
+                <a:latin typeface="Consolas" panose="020B0609020204030204" pitchFamily="49" charset="0"/>
+              </a:rPr>
+              <a:t>.</a:t>
+            </a:r>
+            <a:r>
+              <a:rPr lang="en-US" sz="1600" b="0" dirty="0" err="1">
+                <a:solidFill>
+                  <a:srgbClr val="82AAFF"/>
+                </a:solidFill>
+                <a:effectLst/>
+                <a:latin typeface="Consolas" panose="020B0609020204030204" pitchFamily="49" charset="0"/>
+              </a:rPr>
+              <a:t>all</a:t>
+            </a:r>
+            <a:r>
+              <a:rPr lang="en-US" sz="1600" b="0" dirty="0">
+                <a:solidFill>
+                  <a:srgbClr val="F07178"/>
+                </a:solidFill>
+                <a:effectLst/>
+                <a:latin typeface="Consolas" panose="020B0609020204030204" pitchFamily="49" charset="0"/>
+              </a:rPr>
+              <a:t>(</a:t>
+            </a:r>
+            <a:endParaRPr lang="en-US" sz="1600" b="0" dirty="0">
+              <a:solidFill>
+                <a:srgbClr val="EEFFFF"/>
+              </a:solidFill>
+              <a:effectLst/>
+              <a:latin typeface="Consolas" panose="020B0609020204030204" pitchFamily="49" charset="0"/>
+            </a:endParaRPr>
+          </a:p>
+          <a:p>
+            <a:pPr>
+              <a:lnSpc>
+                <a:spcPts val="1425"/>
+              </a:lnSpc>
+            </a:pPr>
+            <a:r>
+              <a:rPr lang="en-US" sz="1600" b="0" dirty="0">
+                <a:solidFill>
+                  <a:srgbClr val="F07178"/>
+                </a:solidFill>
+                <a:effectLst/>
+                <a:latin typeface="Consolas" panose="020B0609020204030204" pitchFamily="49" charset="0"/>
+              </a:rPr>
+              <a:t>                </a:t>
+            </a:r>
+            <a:r>
+              <a:rPr lang="en-US" sz="1600" b="0" i="1" dirty="0" err="1">
+                <a:solidFill>
+                  <a:srgbClr val="EEFFFF"/>
+                </a:solidFill>
+                <a:effectLst/>
+                <a:latin typeface="Consolas" panose="020B0609020204030204" pitchFamily="49" charset="0"/>
+              </a:rPr>
+              <a:t>keys</a:t>
+            </a:r>
+            <a:r>
+              <a:rPr lang="en-US" sz="1600" b="0" dirty="0" err="1">
+                <a:solidFill>
+                  <a:srgbClr val="89DDFF"/>
+                </a:solidFill>
+                <a:effectLst/>
+                <a:latin typeface="Consolas" panose="020B0609020204030204" pitchFamily="49" charset="0"/>
+              </a:rPr>
+              <a:t>.</a:t>
+            </a:r>
+            <a:r>
+              <a:rPr lang="en-US" sz="1600" b="0" dirty="0" err="1">
+                <a:solidFill>
+                  <a:srgbClr val="82AAFF"/>
+                </a:solidFill>
+                <a:effectLst/>
+                <a:latin typeface="Consolas" panose="020B0609020204030204" pitchFamily="49" charset="0"/>
+              </a:rPr>
+              <a:t>filter</a:t>
+            </a:r>
+            <a:r>
+              <a:rPr lang="en-US" sz="1600" b="0" dirty="0">
+                <a:solidFill>
+                  <a:srgbClr val="F07178"/>
+                </a:solidFill>
+                <a:effectLst/>
+                <a:latin typeface="Consolas" panose="020B0609020204030204" pitchFamily="49" charset="0"/>
+              </a:rPr>
+              <a:t>(</a:t>
+            </a:r>
+            <a:r>
+              <a:rPr lang="en-US" sz="1600" b="0" i="1" dirty="0">
+                <a:solidFill>
+                  <a:srgbClr val="EEFFFF"/>
+                </a:solidFill>
+                <a:effectLst/>
+                <a:latin typeface="Consolas" panose="020B0609020204030204" pitchFamily="49" charset="0"/>
+              </a:rPr>
+              <a:t>key</a:t>
+            </a:r>
+            <a:r>
+              <a:rPr lang="en-US" sz="1600" b="0" dirty="0">
+                <a:solidFill>
+                  <a:srgbClr val="F07178"/>
+                </a:solidFill>
+                <a:effectLst/>
+                <a:latin typeface="Consolas" panose="020B0609020204030204" pitchFamily="49" charset="0"/>
+              </a:rPr>
+              <a:t> </a:t>
+            </a:r>
+            <a:r>
+              <a:rPr lang="en-US" sz="1600" b="0" dirty="0">
+                <a:solidFill>
+                  <a:srgbClr val="C792EA"/>
+                </a:solidFill>
+                <a:effectLst/>
+                <a:latin typeface="Consolas" panose="020B0609020204030204" pitchFamily="49" charset="0"/>
+              </a:rPr>
+              <a:t>=&gt;</a:t>
+            </a:r>
+            <a:r>
+              <a:rPr lang="en-US" sz="1600" b="0" dirty="0">
+                <a:solidFill>
+                  <a:srgbClr val="F07178"/>
+                </a:solidFill>
+                <a:effectLst/>
+                <a:latin typeface="Consolas" panose="020B0609020204030204" pitchFamily="49" charset="0"/>
+              </a:rPr>
+              <a:t> </a:t>
+            </a:r>
+            <a:r>
+              <a:rPr lang="en-US" sz="1600" b="0" i="1" dirty="0">
+                <a:solidFill>
+                  <a:srgbClr val="EEFFFF"/>
+                </a:solidFill>
+                <a:effectLst/>
+                <a:latin typeface="Consolas" panose="020B0609020204030204" pitchFamily="49" charset="0"/>
+              </a:rPr>
+              <a:t>key</a:t>
+            </a:r>
+            <a:r>
+              <a:rPr lang="en-US" sz="1600" b="0" dirty="0">
+                <a:solidFill>
+                  <a:srgbClr val="F07178"/>
+                </a:solidFill>
+                <a:effectLst/>
+                <a:latin typeface="Consolas" panose="020B0609020204030204" pitchFamily="49" charset="0"/>
+              </a:rPr>
+              <a:t> </a:t>
+            </a:r>
+            <a:r>
+              <a:rPr lang="en-US" sz="1600" b="0" dirty="0">
+                <a:solidFill>
+                  <a:srgbClr val="89DDFF"/>
+                </a:solidFill>
+                <a:effectLst/>
+                <a:latin typeface="Consolas" panose="020B0609020204030204" pitchFamily="49" charset="0"/>
+              </a:rPr>
+              <a:t>!==</a:t>
+            </a:r>
+            <a:r>
+              <a:rPr lang="en-US" sz="1600" b="0" dirty="0">
+                <a:solidFill>
+                  <a:srgbClr val="F07178"/>
+                </a:solidFill>
+                <a:effectLst/>
+                <a:latin typeface="Consolas" panose="020B0609020204030204" pitchFamily="49" charset="0"/>
+              </a:rPr>
+              <a:t> </a:t>
+            </a:r>
+            <a:r>
+              <a:rPr lang="en-US" sz="1600" b="0" dirty="0">
+                <a:solidFill>
+                  <a:srgbClr val="EEFFFF"/>
+                </a:solidFill>
+                <a:effectLst/>
+                <a:latin typeface="Consolas" panose="020B0609020204030204" pitchFamily="49" charset="0"/>
+              </a:rPr>
+              <a:t>CACHE_NAME</a:t>
+            </a:r>
+            <a:r>
+              <a:rPr lang="en-US" sz="1600" b="0" dirty="0">
+                <a:solidFill>
+                  <a:srgbClr val="F07178"/>
+                </a:solidFill>
+                <a:effectLst/>
+                <a:latin typeface="Consolas" panose="020B0609020204030204" pitchFamily="49" charset="0"/>
+              </a:rPr>
+              <a:t>)</a:t>
+            </a:r>
+            <a:endParaRPr lang="en-US" sz="1600" b="0" dirty="0">
+              <a:solidFill>
+                <a:srgbClr val="EEFFFF"/>
+              </a:solidFill>
+              <a:effectLst/>
+              <a:latin typeface="Consolas" panose="020B0609020204030204" pitchFamily="49" charset="0"/>
+            </a:endParaRPr>
+          </a:p>
+          <a:p>
+            <a:pPr>
+              <a:lnSpc>
+                <a:spcPts val="1425"/>
+              </a:lnSpc>
+            </a:pPr>
+            <a:r>
+              <a:rPr lang="en-US" sz="1600" b="0" dirty="0">
+                <a:solidFill>
+                  <a:srgbClr val="F07178"/>
+                </a:solidFill>
+                <a:effectLst/>
+                <a:latin typeface="Consolas" panose="020B0609020204030204" pitchFamily="49" charset="0"/>
+              </a:rPr>
+              <a:t>                    </a:t>
+            </a:r>
+            <a:r>
+              <a:rPr lang="en-US" sz="1600" b="0" dirty="0">
+                <a:solidFill>
+                  <a:srgbClr val="89DDFF"/>
+                </a:solidFill>
+                <a:effectLst/>
+                <a:latin typeface="Consolas" panose="020B0609020204030204" pitchFamily="49" charset="0"/>
+              </a:rPr>
+              <a:t>.</a:t>
+            </a:r>
+            <a:r>
+              <a:rPr lang="en-US" sz="1600" b="0" dirty="0">
+                <a:solidFill>
+                  <a:srgbClr val="82AAFF"/>
+                </a:solidFill>
+                <a:effectLst/>
+                <a:latin typeface="Consolas" panose="020B0609020204030204" pitchFamily="49" charset="0"/>
+              </a:rPr>
+              <a:t>map</a:t>
+            </a:r>
+            <a:r>
+              <a:rPr lang="en-US" sz="1600" b="0" dirty="0">
+                <a:solidFill>
+                  <a:srgbClr val="F07178"/>
+                </a:solidFill>
+                <a:effectLst/>
+                <a:latin typeface="Consolas" panose="020B0609020204030204" pitchFamily="49" charset="0"/>
+              </a:rPr>
+              <a:t>(</a:t>
+            </a:r>
+            <a:r>
+              <a:rPr lang="en-US" sz="1600" b="0" i="1" dirty="0">
+                <a:solidFill>
+                  <a:srgbClr val="EEFFFF"/>
+                </a:solidFill>
+                <a:effectLst/>
+                <a:latin typeface="Consolas" panose="020B0609020204030204" pitchFamily="49" charset="0"/>
+              </a:rPr>
+              <a:t>key</a:t>
+            </a:r>
+            <a:r>
+              <a:rPr lang="en-US" sz="1600" b="0" dirty="0">
+                <a:solidFill>
+                  <a:srgbClr val="F07178"/>
+                </a:solidFill>
+                <a:effectLst/>
+                <a:latin typeface="Consolas" panose="020B0609020204030204" pitchFamily="49" charset="0"/>
+              </a:rPr>
+              <a:t> </a:t>
+            </a:r>
+            <a:r>
+              <a:rPr lang="en-US" sz="1600" b="0" dirty="0">
+                <a:solidFill>
+                  <a:srgbClr val="C792EA"/>
+                </a:solidFill>
+                <a:effectLst/>
+                <a:latin typeface="Consolas" panose="020B0609020204030204" pitchFamily="49" charset="0"/>
+              </a:rPr>
+              <a:t>=&gt;</a:t>
+            </a:r>
+            <a:r>
+              <a:rPr lang="en-US" sz="1600" b="0" dirty="0">
+                <a:solidFill>
+                  <a:srgbClr val="F07178"/>
+                </a:solidFill>
+                <a:effectLst/>
+                <a:latin typeface="Consolas" panose="020B0609020204030204" pitchFamily="49" charset="0"/>
+              </a:rPr>
+              <a:t> </a:t>
+            </a:r>
+            <a:r>
+              <a:rPr lang="en-US" sz="1600" b="0" dirty="0" err="1">
+                <a:solidFill>
+                  <a:srgbClr val="EEFFFF"/>
+                </a:solidFill>
+                <a:effectLst/>
+                <a:latin typeface="Consolas" panose="020B0609020204030204" pitchFamily="49" charset="0"/>
+              </a:rPr>
+              <a:t>caches</a:t>
+            </a:r>
+            <a:r>
+              <a:rPr lang="en-US" sz="1600" b="0" dirty="0" err="1">
+                <a:solidFill>
+                  <a:srgbClr val="89DDFF"/>
+                </a:solidFill>
+                <a:effectLst/>
+                <a:latin typeface="Consolas" panose="020B0609020204030204" pitchFamily="49" charset="0"/>
+              </a:rPr>
+              <a:t>.</a:t>
+            </a:r>
+            <a:r>
+              <a:rPr lang="en-US" sz="1600" b="0" dirty="0" err="1">
+                <a:solidFill>
+                  <a:srgbClr val="82AAFF"/>
+                </a:solidFill>
+                <a:effectLst/>
+                <a:latin typeface="Consolas" panose="020B0609020204030204" pitchFamily="49" charset="0"/>
+              </a:rPr>
+              <a:t>delete</a:t>
+            </a:r>
+            <a:r>
+              <a:rPr lang="en-US" sz="1600" b="0" dirty="0">
+                <a:solidFill>
+                  <a:srgbClr val="F07178"/>
+                </a:solidFill>
+                <a:effectLst/>
+                <a:latin typeface="Consolas" panose="020B0609020204030204" pitchFamily="49" charset="0"/>
+              </a:rPr>
+              <a:t>(</a:t>
+            </a:r>
+            <a:r>
+              <a:rPr lang="en-US" sz="1600" b="0" i="1" dirty="0">
+                <a:solidFill>
+                  <a:srgbClr val="EEFFFF"/>
+                </a:solidFill>
+                <a:effectLst/>
+                <a:latin typeface="Consolas" panose="020B0609020204030204" pitchFamily="49" charset="0"/>
+              </a:rPr>
+              <a:t>key</a:t>
+            </a:r>
+            <a:r>
+              <a:rPr lang="en-US" sz="1600" b="0" dirty="0">
+                <a:solidFill>
+                  <a:srgbClr val="F07178"/>
+                </a:solidFill>
+                <a:effectLst/>
+                <a:latin typeface="Consolas" panose="020B0609020204030204" pitchFamily="49" charset="0"/>
+              </a:rPr>
+              <a:t>))</a:t>
+            </a:r>
+            <a:endParaRPr lang="en-US" sz="1600" b="0" dirty="0">
+              <a:solidFill>
+                <a:srgbClr val="EEFFFF"/>
+              </a:solidFill>
+              <a:effectLst/>
+              <a:latin typeface="Consolas" panose="020B0609020204030204" pitchFamily="49" charset="0"/>
+            </a:endParaRPr>
+          </a:p>
+          <a:p>
+            <a:pPr>
+              <a:lnSpc>
+                <a:spcPts val="1425"/>
+              </a:lnSpc>
+            </a:pPr>
+            <a:r>
+              <a:rPr lang="en-US" sz="1600" b="0" dirty="0">
+                <a:solidFill>
+                  <a:srgbClr val="F07178"/>
+                </a:solidFill>
+                <a:effectLst/>
+                <a:latin typeface="Consolas" panose="020B0609020204030204" pitchFamily="49" charset="0"/>
+              </a:rPr>
+              <a:t>            ))</a:t>
+            </a:r>
+            <a:endParaRPr lang="en-US" sz="1600" b="0" dirty="0">
+              <a:solidFill>
+                <a:srgbClr val="EEFFFF"/>
+              </a:solidFill>
+              <a:effectLst/>
+              <a:latin typeface="Consolas" panose="020B0609020204030204" pitchFamily="49" charset="0"/>
+            </a:endParaRPr>
+          </a:p>
+          <a:p>
+            <a:pPr>
+              <a:lnSpc>
+                <a:spcPts val="1425"/>
+              </a:lnSpc>
+            </a:pPr>
+            <a:r>
+              <a:rPr lang="en-US" sz="1600" b="0" dirty="0">
+                <a:solidFill>
+                  <a:srgbClr val="F07178"/>
+                </a:solidFill>
+                <a:effectLst/>
+                <a:latin typeface="Consolas" panose="020B0609020204030204" pitchFamily="49" charset="0"/>
+              </a:rPr>
+              <a:t>    )</a:t>
+            </a:r>
+            <a:r>
+              <a:rPr lang="en-US" sz="1600" b="0" dirty="0">
+                <a:solidFill>
+                  <a:srgbClr val="89DDFF"/>
+                </a:solidFill>
+                <a:effectLst/>
+                <a:latin typeface="Consolas" panose="020B0609020204030204" pitchFamily="49" charset="0"/>
+              </a:rPr>
+              <a:t>;</a:t>
+            </a:r>
+            <a:endParaRPr lang="en-US" sz="1600" b="0" dirty="0">
+              <a:solidFill>
+                <a:srgbClr val="EEFFFF"/>
+              </a:solidFill>
+              <a:effectLst/>
+              <a:latin typeface="Consolas" panose="020B0609020204030204" pitchFamily="49" charset="0"/>
+            </a:endParaRPr>
+          </a:p>
+          <a:p>
+            <a:pPr>
+              <a:lnSpc>
+                <a:spcPts val="1425"/>
+              </a:lnSpc>
+            </a:pPr>
+            <a:r>
+              <a:rPr lang="en-US" sz="1600" b="0" dirty="0">
+                <a:solidFill>
+                  <a:srgbClr val="89DDFF"/>
+                </a:solidFill>
+                <a:effectLst/>
+                <a:latin typeface="Consolas" panose="020B0609020204030204" pitchFamily="49" charset="0"/>
+              </a:rPr>
+              <a:t>}</a:t>
+            </a:r>
+            <a:r>
+              <a:rPr lang="en-US" sz="1600" b="0" dirty="0">
+                <a:solidFill>
+                  <a:srgbClr val="EEFFFF"/>
+                </a:solidFill>
+                <a:effectLst/>
+                <a:latin typeface="Consolas" panose="020B0609020204030204" pitchFamily="49" charset="0"/>
+              </a:rPr>
+              <a:t>)</a:t>
+            </a:r>
+            <a:r>
+              <a:rPr lang="en-US" sz="1600" b="0" dirty="0">
+                <a:solidFill>
+                  <a:srgbClr val="89DDFF"/>
+                </a:solidFill>
+                <a:effectLst/>
+                <a:latin typeface="Consolas" panose="020B0609020204030204" pitchFamily="49" charset="0"/>
+              </a:rPr>
+              <a:t>;</a:t>
+            </a:r>
+            <a:endParaRPr lang="en-US" sz="1600" b="0" dirty="0">
+              <a:solidFill>
+                <a:srgbClr val="EEFFFF"/>
+              </a:solidFill>
+              <a:effectLst/>
+              <a:latin typeface="Consolas" panose="020B0609020204030204" pitchFamily="49" charset="0"/>
+            </a:endParaRPr>
+          </a:p>
+          <a:p>
+            <a:pPr>
+              <a:lnSpc>
+                <a:spcPts val="1425"/>
+              </a:lnSpc>
+            </a:pPr>
+            <a:br>
+              <a:rPr lang="en-US" sz="1600" b="0" dirty="0">
+                <a:solidFill>
+                  <a:srgbClr val="EEFFFF"/>
+                </a:solidFill>
+                <a:effectLst/>
+                <a:latin typeface="Consolas" panose="020B0609020204030204" pitchFamily="49" charset="0"/>
+              </a:rPr>
+            </a:br>
+            <a:r>
+              <a:rPr lang="en-US" sz="1600" b="0" dirty="0" err="1">
+                <a:solidFill>
+                  <a:srgbClr val="EEFFFF"/>
+                </a:solidFill>
+                <a:effectLst/>
+                <a:latin typeface="Consolas" panose="020B0609020204030204" pitchFamily="49" charset="0"/>
+              </a:rPr>
+              <a:t>self</a:t>
+            </a:r>
+            <a:r>
+              <a:rPr lang="en-US" sz="1600" b="0" dirty="0" err="1">
+                <a:solidFill>
+                  <a:srgbClr val="89DDFF"/>
+                </a:solidFill>
+                <a:effectLst/>
+                <a:latin typeface="Consolas" panose="020B0609020204030204" pitchFamily="49" charset="0"/>
+              </a:rPr>
+              <a:t>.</a:t>
+            </a:r>
+            <a:r>
+              <a:rPr lang="en-US" sz="1600" b="0" dirty="0" err="1">
+                <a:solidFill>
+                  <a:srgbClr val="82AAFF"/>
+                </a:solidFill>
+                <a:effectLst/>
+                <a:latin typeface="Consolas" panose="020B0609020204030204" pitchFamily="49" charset="0"/>
+              </a:rPr>
+              <a:t>addEventListener</a:t>
+            </a:r>
+            <a:r>
+              <a:rPr lang="en-US" sz="1600" b="0" dirty="0">
+                <a:solidFill>
+                  <a:srgbClr val="EEFFFF"/>
+                </a:solidFill>
+                <a:effectLst/>
+                <a:latin typeface="Consolas" panose="020B0609020204030204" pitchFamily="49" charset="0"/>
+              </a:rPr>
+              <a:t>(</a:t>
+            </a:r>
+            <a:r>
+              <a:rPr lang="en-US" sz="1600" b="0" dirty="0">
+                <a:solidFill>
+                  <a:srgbClr val="89DDFF"/>
+                </a:solidFill>
+                <a:effectLst/>
+                <a:latin typeface="Consolas" panose="020B0609020204030204" pitchFamily="49" charset="0"/>
+              </a:rPr>
+              <a:t>'</a:t>
+            </a:r>
+            <a:r>
+              <a:rPr lang="en-US" sz="1600" b="0" dirty="0">
+                <a:solidFill>
+                  <a:srgbClr val="C3E88D"/>
+                </a:solidFill>
+                <a:effectLst/>
+                <a:latin typeface="Consolas" panose="020B0609020204030204" pitchFamily="49" charset="0"/>
+              </a:rPr>
+              <a:t>fetch</a:t>
+            </a:r>
+            <a:r>
+              <a:rPr lang="en-US" sz="1600" b="0" dirty="0">
+                <a:solidFill>
+                  <a:srgbClr val="89DDFF"/>
+                </a:solidFill>
+                <a:effectLst/>
+                <a:latin typeface="Consolas" panose="020B0609020204030204" pitchFamily="49" charset="0"/>
+              </a:rPr>
+              <a:t>',</a:t>
+            </a:r>
+            <a:r>
+              <a:rPr lang="en-US" sz="1600" b="0" dirty="0">
+                <a:solidFill>
+                  <a:srgbClr val="EEFFFF"/>
+                </a:solidFill>
+                <a:effectLst/>
+                <a:latin typeface="Consolas" panose="020B0609020204030204" pitchFamily="49" charset="0"/>
+              </a:rPr>
+              <a:t> </a:t>
+            </a:r>
+            <a:r>
+              <a:rPr lang="en-US" sz="1600" b="0" i="1" dirty="0">
+                <a:solidFill>
+                  <a:srgbClr val="EEFFFF"/>
+                </a:solidFill>
+                <a:effectLst/>
+                <a:latin typeface="Consolas" panose="020B0609020204030204" pitchFamily="49" charset="0"/>
+              </a:rPr>
+              <a:t>event</a:t>
+            </a:r>
+            <a:r>
+              <a:rPr lang="en-US" sz="1600" b="0" dirty="0">
+                <a:solidFill>
+                  <a:srgbClr val="EEFFFF"/>
+                </a:solidFill>
+                <a:effectLst/>
+                <a:latin typeface="Consolas" panose="020B0609020204030204" pitchFamily="49" charset="0"/>
+              </a:rPr>
+              <a:t> </a:t>
+            </a:r>
+            <a:r>
+              <a:rPr lang="en-US" sz="1600" b="0" dirty="0">
+                <a:solidFill>
+                  <a:srgbClr val="C792EA"/>
+                </a:solidFill>
+                <a:effectLst/>
+                <a:latin typeface="Consolas" panose="020B0609020204030204" pitchFamily="49" charset="0"/>
+              </a:rPr>
+              <a:t>=&gt;</a:t>
+            </a:r>
+            <a:r>
+              <a:rPr lang="en-US" sz="1600" b="0" dirty="0">
+                <a:solidFill>
+                  <a:srgbClr val="EEFFFF"/>
+                </a:solidFill>
+                <a:effectLst/>
+                <a:latin typeface="Consolas" panose="020B0609020204030204" pitchFamily="49" charset="0"/>
+              </a:rPr>
+              <a:t> </a:t>
+            </a:r>
+            <a:r>
+              <a:rPr lang="en-US" sz="1600" b="0" dirty="0">
+                <a:solidFill>
+                  <a:srgbClr val="89DDFF"/>
+                </a:solidFill>
+                <a:effectLst/>
+                <a:latin typeface="Consolas" panose="020B0609020204030204" pitchFamily="49" charset="0"/>
+              </a:rPr>
+              <a:t>{</a:t>
+            </a:r>
+            <a:endParaRPr lang="en-US" sz="1600" b="0" dirty="0">
+              <a:solidFill>
+                <a:srgbClr val="EEFFFF"/>
+              </a:solidFill>
+              <a:effectLst/>
+              <a:latin typeface="Consolas" panose="020B0609020204030204" pitchFamily="49" charset="0"/>
+            </a:endParaRPr>
+          </a:p>
+          <a:p>
+            <a:pPr>
+              <a:lnSpc>
+                <a:spcPts val="1425"/>
+              </a:lnSpc>
+            </a:pPr>
+            <a:r>
+              <a:rPr lang="en-US" sz="1600" b="0" dirty="0">
+                <a:solidFill>
+                  <a:srgbClr val="F07178"/>
+                </a:solidFill>
+                <a:effectLst/>
+                <a:latin typeface="Consolas" panose="020B0609020204030204" pitchFamily="49" charset="0"/>
+              </a:rPr>
+              <a:t>    </a:t>
+            </a:r>
+            <a:r>
+              <a:rPr lang="en-US" sz="1600" b="0" i="1" dirty="0" err="1">
+                <a:solidFill>
+                  <a:srgbClr val="EEFFFF"/>
+                </a:solidFill>
+                <a:effectLst/>
+                <a:latin typeface="Consolas" panose="020B0609020204030204" pitchFamily="49" charset="0"/>
+              </a:rPr>
+              <a:t>event</a:t>
+            </a:r>
+            <a:r>
+              <a:rPr lang="en-US" sz="1600" b="0" dirty="0" err="1">
+                <a:solidFill>
+                  <a:srgbClr val="89DDFF"/>
+                </a:solidFill>
+                <a:effectLst/>
+                <a:latin typeface="Consolas" panose="020B0609020204030204" pitchFamily="49" charset="0"/>
+              </a:rPr>
+              <a:t>.</a:t>
+            </a:r>
+            <a:r>
+              <a:rPr lang="en-US" sz="1600" b="0" dirty="0" err="1">
+                <a:solidFill>
+                  <a:srgbClr val="82AAFF"/>
+                </a:solidFill>
+                <a:effectLst/>
+                <a:latin typeface="Consolas" panose="020B0609020204030204" pitchFamily="49" charset="0"/>
+              </a:rPr>
+              <a:t>respondWith</a:t>
+            </a:r>
+            <a:r>
+              <a:rPr lang="en-US" sz="1600" b="0" dirty="0">
+                <a:solidFill>
+                  <a:srgbClr val="F07178"/>
+                </a:solidFill>
+                <a:effectLst/>
+                <a:latin typeface="Consolas" panose="020B0609020204030204" pitchFamily="49" charset="0"/>
+              </a:rPr>
+              <a:t>(</a:t>
+            </a:r>
+            <a:endParaRPr lang="en-US" sz="1600" b="0" dirty="0">
+              <a:solidFill>
+                <a:srgbClr val="EEFFFF"/>
+              </a:solidFill>
+              <a:effectLst/>
+              <a:latin typeface="Consolas" panose="020B0609020204030204" pitchFamily="49" charset="0"/>
+            </a:endParaRPr>
+          </a:p>
+          <a:p>
+            <a:pPr>
+              <a:lnSpc>
+                <a:spcPts val="1425"/>
+              </a:lnSpc>
+            </a:pPr>
+            <a:r>
+              <a:rPr lang="en-US" sz="1600" b="0" dirty="0">
+                <a:solidFill>
+                  <a:srgbClr val="F07178"/>
+                </a:solidFill>
+                <a:effectLst/>
+                <a:latin typeface="Consolas" panose="020B0609020204030204" pitchFamily="49" charset="0"/>
+              </a:rPr>
+              <a:t>        </a:t>
+            </a:r>
+            <a:r>
+              <a:rPr lang="en-US" sz="1600" b="0" dirty="0">
+                <a:solidFill>
+                  <a:srgbClr val="82AAFF"/>
+                </a:solidFill>
+                <a:effectLst/>
+                <a:latin typeface="Consolas" panose="020B0609020204030204" pitchFamily="49" charset="0"/>
+              </a:rPr>
+              <a:t>fetch</a:t>
+            </a:r>
+            <a:r>
+              <a:rPr lang="en-US" sz="1600" b="0" dirty="0">
+                <a:solidFill>
+                  <a:srgbClr val="F07178"/>
+                </a:solidFill>
+                <a:effectLst/>
+                <a:latin typeface="Consolas" panose="020B0609020204030204" pitchFamily="49" charset="0"/>
+              </a:rPr>
+              <a:t>(</a:t>
+            </a:r>
+            <a:r>
+              <a:rPr lang="en-US" sz="1600" b="0" i="1" dirty="0" err="1">
+                <a:solidFill>
+                  <a:srgbClr val="EEFFFF"/>
+                </a:solidFill>
+                <a:effectLst/>
+                <a:latin typeface="Consolas" panose="020B0609020204030204" pitchFamily="49" charset="0"/>
+              </a:rPr>
+              <a:t>event</a:t>
+            </a:r>
+            <a:r>
+              <a:rPr lang="en-US" sz="1600" b="0" dirty="0" err="1">
+                <a:solidFill>
+                  <a:srgbClr val="89DDFF"/>
+                </a:solidFill>
+                <a:effectLst/>
+                <a:latin typeface="Consolas" panose="020B0609020204030204" pitchFamily="49" charset="0"/>
+              </a:rPr>
+              <a:t>.</a:t>
+            </a:r>
+            <a:r>
+              <a:rPr lang="en-US" sz="1600" b="0" dirty="0" err="1">
+                <a:solidFill>
+                  <a:srgbClr val="EEFFFF"/>
+                </a:solidFill>
+                <a:effectLst/>
+                <a:latin typeface="Consolas" panose="020B0609020204030204" pitchFamily="49" charset="0"/>
+              </a:rPr>
+              <a:t>request</a:t>
+            </a:r>
+            <a:r>
+              <a:rPr lang="en-US" sz="1600" b="0" dirty="0">
+                <a:solidFill>
+                  <a:srgbClr val="F07178"/>
+                </a:solidFill>
+                <a:effectLst/>
+                <a:latin typeface="Consolas" panose="020B0609020204030204" pitchFamily="49" charset="0"/>
+              </a:rPr>
+              <a:t>) </a:t>
+            </a:r>
+            <a:r>
+              <a:rPr lang="en-US" sz="1600" b="0" dirty="0">
+                <a:solidFill>
+                  <a:srgbClr val="FFFF00"/>
+                </a:solidFill>
+                <a:effectLst/>
+                <a:highlight>
+                  <a:srgbClr val="000000"/>
+                </a:highlight>
+                <a:latin typeface="Consolas" panose="020B0609020204030204" pitchFamily="49" charset="0"/>
+              </a:rPr>
+              <a:t>// </a:t>
+            </a:r>
+            <a:r>
+              <a:rPr lang="bg-BG" sz="1600" b="0" dirty="0">
+                <a:solidFill>
+                  <a:srgbClr val="FFFF00"/>
+                </a:solidFill>
+                <a:effectLst/>
+                <a:highlight>
+                  <a:srgbClr val="000000"/>
+                </a:highlight>
+                <a:latin typeface="Consolas" panose="020B0609020204030204" pitchFamily="49" charset="0"/>
+              </a:rPr>
+              <a:t>пробва да зареди първо</a:t>
+            </a:r>
+            <a:endParaRPr lang="en-US" sz="1600" b="0" dirty="0">
+              <a:solidFill>
+                <a:srgbClr val="FFFF00"/>
+              </a:solidFill>
+              <a:effectLst/>
+              <a:highlight>
+                <a:srgbClr val="000000"/>
+              </a:highlight>
+              <a:latin typeface="Consolas" panose="020B0609020204030204" pitchFamily="49" charset="0"/>
+            </a:endParaRPr>
+          </a:p>
+          <a:p>
+            <a:pPr>
+              <a:lnSpc>
+                <a:spcPts val="1425"/>
+              </a:lnSpc>
+            </a:pPr>
+            <a:r>
+              <a:rPr lang="en-US" sz="1600" b="0" dirty="0">
+                <a:solidFill>
+                  <a:srgbClr val="F07178"/>
+                </a:solidFill>
+                <a:effectLst/>
+                <a:latin typeface="Consolas" panose="020B0609020204030204" pitchFamily="49" charset="0"/>
+              </a:rPr>
+              <a:t>            </a:t>
+            </a:r>
+            <a:r>
+              <a:rPr lang="en-US" sz="1600" b="0" dirty="0">
+                <a:solidFill>
+                  <a:srgbClr val="89DDFF"/>
+                </a:solidFill>
+                <a:effectLst/>
+                <a:latin typeface="Consolas" panose="020B0609020204030204" pitchFamily="49" charset="0"/>
+              </a:rPr>
+              <a:t>.</a:t>
+            </a:r>
+            <a:r>
+              <a:rPr lang="en-US" sz="1600" b="0" dirty="0">
+                <a:solidFill>
+                  <a:srgbClr val="82AAFF"/>
+                </a:solidFill>
+                <a:effectLst/>
+                <a:latin typeface="Consolas" panose="020B0609020204030204" pitchFamily="49" charset="0"/>
+              </a:rPr>
+              <a:t>catch</a:t>
+            </a:r>
+            <a:r>
+              <a:rPr lang="en-US" sz="1600" b="0" dirty="0">
+                <a:solidFill>
+                  <a:srgbClr val="F07178"/>
+                </a:solidFill>
+                <a:effectLst/>
+                <a:latin typeface="Consolas" panose="020B0609020204030204" pitchFamily="49" charset="0"/>
+              </a:rPr>
+              <a:t>(</a:t>
+            </a:r>
+            <a:r>
+              <a:rPr lang="en-US" sz="1600" b="0" dirty="0">
+                <a:solidFill>
+                  <a:srgbClr val="89DDFF"/>
+                </a:solidFill>
+                <a:effectLst/>
+                <a:latin typeface="Consolas" panose="020B0609020204030204" pitchFamily="49" charset="0"/>
+              </a:rPr>
+              <a:t>()</a:t>
+            </a:r>
+            <a:r>
+              <a:rPr lang="en-US" sz="1600" b="0" dirty="0">
+                <a:solidFill>
+                  <a:srgbClr val="F07178"/>
+                </a:solidFill>
+                <a:effectLst/>
+                <a:latin typeface="Consolas" panose="020B0609020204030204" pitchFamily="49" charset="0"/>
+              </a:rPr>
+              <a:t> </a:t>
+            </a:r>
+            <a:r>
+              <a:rPr lang="en-US" sz="1600" b="0" dirty="0">
+                <a:solidFill>
+                  <a:srgbClr val="C792EA"/>
+                </a:solidFill>
+                <a:effectLst/>
+                <a:latin typeface="Consolas" panose="020B0609020204030204" pitchFamily="49" charset="0"/>
+              </a:rPr>
+              <a:t>=&gt;</a:t>
+            </a:r>
+            <a:r>
+              <a:rPr lang="en-US" sz="1600" b="0" dirty="0">
+                <a:solidFill>
+                  <a:srgbClr val="F07178"/>
+                </a:solidFill>
+                <a:effectLst/>
+                <a:latin typeface="Consolas" panose="020B0609020204030204" pitchFamily="49" charset="0"/>
+              </a:rPr>
+              <a:t> </a:t>
+            </a:r>
+            <a:r>
+              <a:rPr lang="en-US" sz="1600" b="0" dirty="0" err="1">
+                <a:solidFill>
+                  <a:srgbClr val="EEFFFF"/>
+                </a:solidFill>
+                <a:effectLst/>
+                <a:latin typeface="Consolas" panose="020B0609020204030204" pitchFamily="49" charset="0"/>
+              </a:rPr>
+              <a:t>caches</a:t>
+            </a:r>
+            <a:r>
+              <a:rPr lang="en-US" sz="1600" b="0" dirty="0" err="1">
+                <a:solidFill>
+                  <a:srgbClr val="89DDFF"/>
+                </a:solidFill>
+                <a:effectLst/>
+                <a:latin typeface="Consolas" panose="020B0609020204030204" pitchFamily="49" charset="0"/>
+              </a:rPr>
+              <a:t>.</a:t>
+            </a:r>
+            <a:r>
+              <a:rPr lang="en-US" sz="1600" b="0" dirty="0" err="1">
+                <a:solidFill>
+                  <a:srgbClr val="82AAFF"/>
+                </a:solidFill>
+                <a:effectLst/>
+                <a:latin typeface="Consolas" panose="020B0609020204030204" pitchFamily="49" charset="0"/>
+              </a:rPr>
+              <a:t>match</a:t>
+            </a:r>
+            <a:r>
+              <a:rPr lang="en-US" sz="1600" b="0" dirty="0">
+                <a:solidFill>
+                  <a:srgbClr val="F07178"/>
+                </a:solidFill>
+                <a:effectLst/>
+                <a:latin typeface="Consolas" panose="020B0609020204030204" pitchFamily="49" charset="0"/>
+              </a:rPr>
+              <a:t>(</a:t>
+            </a:r>
+            <a:r>
+              <a:rPr lang="en-US" sz="1600" b="0" i="1" dirty="0" err="1">
+                <a:solidFill>
+                  <a:srgbClr val="EEFFFF"/>
+                </a:solidFill>
+                <a:effectLst/>
+                <a:latin typeface="Consolas" panose="020B0609020204030204" pitchFamily="49" charset="0"/>
+              </a:rPr>
+              <a:t>event</a:t>
+            </a:r>
+            <a:r>
+              <a:rPr lang="en-US" sz="1600" b="0" dirty="0" err="1">
+                <a:solidFill>
+                  <a:srgbClr val="89DDFF"/>
+                </a:solidFill>
+                <a:effectLst/>
+                <a:latin typeface="Consolas" panose="020B0609020204030204" pitchFamily="49" charset="0"/>
+              </a:rPr>
+              <a:t>.</a:t>
+            </a:r>
+            <a:r>
+              <a:rPr lang="en-US" sz="1600" b="0" dirty="0" err="1">
+                <a:solidFill>
+                  <a:srgbClr val="EEFFFF"/>
+                </a:solidFill>
+                <a:effectLst/>
+                <a:latin typeface="Consolas" panose="020B0609020204030204" pitchFamily="49" charset="0"/>
+              </a:rPr>
+              <a:t>request</a:t>
+            </a:r>
+            <a:r>
+              <a:rPr lang="en-US" sz="1600" b="0" dirty="0">
+                <a:solidFill>
+                  <a:srgbClr val="F07178"/>
+                </a:solidFill>
+                <a:effectLst/>
+                <a:latin typeface="Consolas" panose="020B0609020204030204" pitchFamily="49" charset="0"/>
+              </a:rPr>
+              <a:t>))</a:t>
+            </a:r>
+            <a:endParaRPr lang="en-US" sz="1600" b="0" dirty="0">
+              <a:solidFill>
+                <a:srgbClr val="EEFFFF"/>
+              </a:solidFill>
+              <a:effectLst/>
+              <a:latin typeface="Consolas" panose="020B0609020204030204" pitchFamily="49" charset="0"/>
+            </a:endParaRPr>
+          </a:p>
+          <a:p>
+            <a:pPr>
+              <a:lnSpc>
+                <a:spcPts val="1425"/>
+              </a:lnSpc>
+            </a:pPr>
+            <a:r>
+              <a:rPr lang="en-US" sz="1600" b="0" dirty="0">
+                <a:solidFill>
+                  <a:srgbClr val="F07178"/>
+                </a:solidFill>
+                <a:effectLst/>
+                <a:latin typeface="Consolas" panose="020B0609020204030204" pitchFamily="49" charset="0"/>
+              </a:rPr>
+              <a:t>    )</a:t>
+            </a:r>
+            <a:r>
+              <a:rPr lang="en-US" sz="1600" b="0" dirty="0">
+                <a:solidFill>
+                  <a:srgbClr val="89DDFF"/>
+                </a:solidFill>
+                <a:effectLst/>
+                <a:latin typeface="Consolas" panose="020B0609020204030204" pitchFamily="49" charset="0"/>
+              </a:rPr>
+              <a:t>;</a:t>
+            </a:r>
+            <a:endParaRPr lang="en-US" sz="1600" b="0" dirty="0">
+              <a:solidFill>
+                <a:srgbClr val="EEFFFF"/>
+              </a:solidFill>
+              <a:effectLst/>
+              <a:latin typeface="Consolas" panose="020B0609020204030204" pitchFamily="49" charset="0"/>
+            </a:endParaRPr>
+          </a:p>
+          <a:p>
+            <a:pPr>
+              <a:lnSpc>
+                <a:spcPts val="1425"/>
+              </a:lnSpc>
+            </a:pPr>
+            <a:r>
+              <a:rPr lang="en-US" sz="1600" b="0" dirty="0">
+                <a:solidFill>
+                  <a:srgbClr val="89DDFF"/>
+                </a:solidFill>
+                <a:effectLst/>
+                <a:latin typeface="Consolas" panose="020B0609020204030204" pitchFamily="49" charset="0"/>
+              </a:rPr>
+              <a:t>}</a:t>
+            </a:r>
+            <a:r>
+              <a:rPr lang="en-US" sz="1600" b="0" dirty="0">
+                <a:solidFill>
+                  <a:srgbClr val="EEFFFF"/>
+                </a:solidFill>
+                <a:effectLst/>
+                <a:latin typeface="Consolas" panose="020B0609020204030204" pitchFamily="49" charset="0"/>
+              </a:rPr>
+              <a:t>)</a:t>
+            </a:r>
+            <a:r>
+              <a:rPr lang="en-US" sz="1600" b="0" dirty="0">
+                <a:solidFill>
+                  <a:srgbClr val="89DDFF"/>
+                </a:solidFill>
+                <a:effectLst/>
+                <a:latin typeface="Consolas" panose="020B0609020204030204" pitchFamily="49" charset="0"/>
+              </a:rPr>
+              <a:t>;</a:t>
+            </a:r>
+            <a:br>
+              <a:rPr lang="en-US" sz="1600" b="0" dirty="0">
+                <a:solidFill>
+                  <a:srgbClr val="EEFFFF"/>
+                </a:solidFill>
+                <a:effectLst/>
+                <a:latin typeface="Consolas" panose="020B0609020204030204" pitchFamily="49" charset="0"/>
+              </a:rPr>
+            </a:br>
+            <a:endParaRPr lang="en-US" sz="1600" b="0" dirty="0">
+              <a:solidFill>
+                <a:srgbClr val="EEFFFF"/>
+              </a:solidFill>
+              <a:effectLst/>
+              <a:latin typeface="Consolas" panose="020B0609020204030204" pitchFamily="49" charset="0"/>
+            </a:endParaRPr>
+          </a:p>
+        </p:txBody>
+      </p:sp>
+    </p:spTree>
+    <p:extLst>
+      <p:ext uri="{BB962C8B-B14F-4D97-AF65-F5344CB8AC3E}">
+        <p14:creationId xmlns:p14="http://schemas.microsoft.com/office/powerpoint/2010/main" val="4018530542"/>
+      </p:ext>
+    </p:extLst>
+  </p:cSld>
+  <p:clrMapOvr>
+    <a:masterClrMapping/>
+  </p:clrMapOvr>
+</p:sld>
+</file>
+
+<file path=ppt/slides/slide11.xml><?xml version="1.0" encoding="utf-8"?>
+<p:sld xmlns:a="http://schemas.openxmlformats.org/drawingml/2006/main" xmlns:r="http://schemas.openxmlformats.org/officeDocument/2006/relationships" xmlns:p="http://schemas.openxmlformats.org/presentationml/2006/main">
+  <p:cSld>
+    <p:bg>
+      <p:bgPr>
+        <a:solidFill>
+          <a:schemeClr val="bg1"/>
+        </a:solidFill>
+        <a:effectLst/>
+      </p:bgPr>
+    </p:bg>
+    <p:spTree>
+      <p:nvGrpSpPr>
         <p:cNvPr id="1" name="">
           <a:extLst>
             <a:ext uri="{FF2B5EF4-FFF2-40B4-BE49-F238E27FC236}">
@@ -19022,7 +21893,7 @@
 </p:sld>
 </file>
 
-<file path=ppt/slides/slide11.xml><?xml version="1.0" encoding="utf-8"?>
+<file path=ppt/slides/slide12.xml><?xml version="1.0" encoding="utf-8"?>
 <p:sld xmlns:a="http://schemas.openxmlformats.org/drawingml/2006/main" xmlns:r="http://schemas.openxmlformats.org/officeDocument/2006/relationships" xmlns:p="http://schemas.openxmlformats.org/presentationml/2006/main">
   <p:cSld>
     <p:bg>
@@ -19509,7 +22380,7 @@
 </p:sld>
 </file>
 
-<file path=ppt/slides/slide12.xml><?xml version="1.0" encoding="utf-8"?>
+<file path=ppt/slides/slide13.xml><?xml version="1.0" encoding="utf-8"?>
 <p:sld xmlns:a="http://schemas.openxmlformats.org/drawingml/2006/main" xmlns:r="http://schemas.openxmlformats.org/officeDocument/2006/relationships" xmlns:p="http://schemas.openxmlformats.org/presentationml/2006/main">
   <p:cSld>
     <p:bg>
